--- a/ClassMaterials/EnvironmentsAndClosures3/19-Environment_representations.pptx
+++ b/ClassMaterials/EnvironmentsAndClosures3/19-Environment_representations.pptx
@@ -5,52 +5,53 @@
     <p:sldMasterId id="2147483648" r:id="rId1"/>
   </p:sldMasterIdLst>
   <p:notesMasterIdLst>
-    <p:notesMasterId r:id="rId42"/>
+    <p:notesMasterId r:id="rId43"/>
   </p:notesMasterIdLst>
   <p:handoutMasterIdLst>
-    <p:handoutMasterId r:id="rId43"/>
+    <p:handoutMasterId r:id="rId44"/>
   </p:handoutMasterIdLst>
   <p:sldIdLst>
-    <p:sldId id="431" r:id="rId2"/>
-    <p:sldId id="300" r:id="rId3"/>
-    <p:sldId id="405" r:id="rId4"/>
-    <p:sldId id="407" r:id="rId5"/>
-    <p:sldId id="408" r:id="rId6"/>
-    <p:sldId id="409" r:id="rId7"/>
-    <p:sldId id="410" r:id="rId8"/>
-    <p:sldId id="459" r:id="rId9"/>
-    <p:sldId id="460" r:id="rId10"/>
-    <p:sldId id="413" r:id="rId11"/>
-    <p:sldId id="415" r:id="rId12"/>
-    <p:sldId id="432" r:id="rId13"/>
-    <p:sldId id="433" r:id="rId14"/>
-    <p:sldId id="434" r:id="rId15"/>
-    <p:sldId id="436" r:id="rId16"/>
-    <p:sldId id="437" r:id="rId17"/>
-    <p:sldId id="438" r:id="rId18"/>
-    <p:sldId id="439" r:id="rId19"/>
-    <p:sldId id="440" r:id="rId20"/>
-    <p:sldId id="441" r:id="rId21"/>
-    <p:sldId id="442" r:id="rId22"/>
-    <p:sldId id="457" r:id="rId23"/>
-    <p:sldId id="446" r:id="rId24"/>
-    <p:sldId id="447" r:id="rId25"/>
-    <p:sldId id="445" r:id="rId26"/>
-    <p:sldId id="443" r:id="rId27"/>
-    <p:sldId id="444" r:id="rId28"/>
-    <p:sldId id="449" r:id="rId29"/>
-    <p:sldId id="450" r:id="rId30"/>
-    <p:sldId id="452" r:id="rId31"/>
-    <p:sldId id="375" r:id="rId32"/>
-    <p:sldId id="453" r:id="rId33"/>
-    <p:sldId id="454" r:id="rId34"/>
-    <p:sldId id="328" r:id="rId35"/>
-    <p:sldId id="323" r:id="rId36"/>
-    <p:sldId id="321" r:id="rId37"/>
-    <p:sldId id="322" r:id="rId38"/>
-    <p:sldId id="324" r:id="rId39"/>
-    <p:sldId id="325" r:id="rId40"/>
-    <p:sldId id="326" r:id="rId41"/>
+    <p:sldId id="462" r:id="rId2"/>
+    <p:sldId id="461" r:id="rId3"/>
+    <p:sldId id="300" r:id="rId4"/>
+    <p:sldId id="405" r:id="rId5"/>
+    <p:sldId id="407" r:id="rId6"/>
+    <p:sldId id="408" r:id="rId7"/>
+    <p:sldId id="409" r:id="rId8"/>
+    <p:sldId id="410" r:id="rId9"/>
+    <p:sldId id="459" r:id="rId10"/>
+    <p:sldId id="460" r:id="rId11"/>
+    <p:sldId id="413" r:id="rId12"/>
+    <p:sldId id="415" r:id="rId13"/>
+    <p:sldId id="432" r:id="rId14"/>
+    <p:sldId id="433" r:id="rId15"/>
+    <p:sldId id="434" r:id="rId16"/>
+    <p:sldId id="436" r:id="rId17"/>
+    <p:sldId id="437" r:id="rId18"/>
+    <p:sldId id="438" r:id="rId19"/>
+    <p:sldId id="439" r:id="rId20"/>
+    <p:sldId id="440" r:id="rId21"/>
+    <p:sldId id="441" r:id="rId22"/>
+    <p:sldId id="442" r:id="rId23"/>
+    <p:sldId id="457" r:id="rId24"/>
+    <p:sldId id="446" r:id="rId25"/>
+    <p:sldId id="447" r:id="rId26"/>
+    <p:sldId id="445" r:id="rId27"/>
+    <p:sldId id="443" r:id="rId28"/>
+    <p:sldId id="444" r:id="rId29"/>
+    <p:sldId id="449" r:id="rId30"/>
+    <p:sldId id="450" r:id="rId31"/>
+    <p:sldId id="452" r:id="rId32"/>
+    <p:sldId id="375" r:id="rId33"/>
+    <p:sldId id="453" r:id="rId34"/>
+    <p:sldId id="454" r:id="rId35"/>
+    <p:sldId id="328" r:id="rId36"/>
+    <p:sldId id="323" r:id="rId37"/>
+    <p:sldId id="321" r:id="rId38"/>
+    <p:sldId id="322" r:id="rId39"/>
+    <p:sldId id="324" r:id="rId40"/>
+    <p:sldId id="325" r:id="rId41"/>
+    <p:sldId id="326" r:id="rId42"/>
   </p:sldIdLst>
   <p:sldSz cx="12192000" cy="6858000"/>
   <p:notesSz cx="7315200" cy="9601200"/>
@@ -196,6 +197,97 @@
     </p:ext>
   </p:extLst>
 </p:presentation>
+</file>
+
+<file path=ppt/changesInfos/changesInfo1.xml><?xml version="1.0" encoding="utf-8"?>
+<pc:chgInfo xmlns:a="http://schemas.openxmlformats.org/drawingml/2006/main" xmlns:r="http://schemas.openxmlformats.org/officeDocument/2006/relationships" xmlns:ac="http://schemas.microsoft.com/office/drawing/2013/main/command" xmlns:pc="http://schemas.microsoft.com/office/powerpoint/2013/main/command">
+  <pc:docChgLst>
+    <pc:chgData name="Hewner, Mike" userId="7f3f83dd-6dfb-4127-a87f-c1714bd4fac9" providerId="ADAL" clId="{63D104E7-F55D-48AA-95B4-6F8EA59EB274}"/>
+    <pc:docChg chg="custSel addSld delSld modSld">
+      <pc:chgData name="Hewner, Mike" userId="7f3f83dd-6dfb-4127-a87f-c1714bd4fac9" providerId="ADAL" clId="{63D104E7-F55D-48AA-95B4-6F8EA59EB274}" dt="2021-10-04T14:36:36.557" v="370" actId="20577"/>
+      <pc:docMkLst>
+        <pc:docMk/>
+      </pc:docMkLst>
+      <pc:sldChg chg="del">
+        <pc:chgData name="Hewner, Mike" userId="7f3f83dd-6dfb-4127-a87f-c1714bd4fac9" providerId="ADAL" clId="{63D104E7-F55D-48AA-95B4-6F8EA59EB274}" dt="2021-10-04T14:33:30.304" v="7" actId="47"/>
+        <pc:sldMkLst>
+          <pc:docMk/>
+          <pc:sldMk cId="2525118819" sldId="431"/>
+        </pc:sldMkLst>
+      </pc:sldChg>
+      <pc:sldChg chg="addSp delSp modSp new mod">
+        <pc:chgData name="Hewner, Mike" userId="7f3f83dd-6dfb-4127-a87f-c1714bd4fac9" providerId="ADAL" clId="{63D104E7-F55D-48AA-95B4-6F8EA59EB274}" dt="2021-10-04T13:51:59.197" v="6" actId="1076"/>
+        <pc:sldMkLst>
+          <pc:docMk/>
+          <pc:sldMk cId="508143840" sldId="461"/>
+        </pc:sldMkLst>
+        <pc:spChg chg="del">
+          <ac:chgData name="Hewner, Mike" userId="7f3f83dd-6dfb-4127-a87f-c1714bd4fac9" providerId="ADAL" clId="{63D104E7-F55D-48AA-95B4-6F8EA59EB274}" dt="2021-10-04T13:51:46.183" v="1" actId="478"/>
+          <ac:spMkLst>
+            <pc:docMk/>
+            <pc:sldMk cId="508143840" sldId="461"/>
+            <ac:spMk id="2" creationId="{CA872F63-9D03-45D2-9724-83B037E4969F}"/>
+          </ac:spMkLst>
+        </pc:spChg>
+        <pc:spChg chg="del">
+          <ac:chgData name="Hewner, Mike" userId="7f3f83dd-6dfb-4127-a87f-c1714bd4fac9" providerId="ADAL" clId="{63D104E7-F55D-48AA-95B4-6F8EA59EB274}" dt="2021-10-04T13:51:48.968" v="2" actId="478"/>
+          <ac:spMkLst>
+            <pc:docMk/>
+            <pc:sldMk cId="508143840" sldId="461"/>
+            <ac:spMk id="3" creationId="{404E4374-D7B3-403C-877C-B06105CB53FC}"/>
+          </ac:spMkLst>
+        </pc:spChg>
+        <pc:picChg chg="add mod">
+          <ac:chgData name="Hewner, Mike" userId="7f3f83dd-6dfb-4127-a87f-c1714bd4fac9" providerId="ADAL" clId="{63D104E7-F55D-48AA-95B4-6F8EA59EB274}" dt="2021-10-04T13:51:59.197" v="6" actId="1076"/>
+          <ac:picMkLst>
+            <pc:docMk/>
+            <pc:sldMk cId="508143840" sldId="461"/>
+            <ac:picMk id="5" creationId="{8F4F4E31-6148-41C9-88C3-A8CFE69A1170}"/>
+          </ac:picMkLst>
+        </pc:picChg>
+      </pc:sldChg>
+      <pc:sldChg chg="addSp delSp modSp new mod modClrScheme chgLayout">
+        <pc:chgData name="Hewner, Mike" userId="7f3f83dd-6dfb-4127-a87f-c1714bd4fac9" providerId="ADAL" clId="{63D104E7-F55D-48AA-95B4-6F8EA59EB274}" dt="2021-10-04T14:36:36.557" v="370" actId="20577"/>
+        <pc:sldMkLst>
+          <pc:docMk/>
+          <pc:sldMk cId="2753487935" sldId="462"/>
+        </pc:sldMkLst>
+        <pc:spChg chg="del mod ord">
+          <ac:chgData name="Hewner, Mike" userId="7f3f83dd-6dfb-4127-a87f-c1714bd4fac9" providerId="ADAL" clId="{63D104E7-F55D-48AA-95B4-6F8EA59EB274}" dt="2021-10-04T14:33:57.351" v="9" actId="700"/>
+          <ac:spMkLst>
+            <pc:docMk/>
+            <pc:sldMk cId="2753487935" sldId="462"/>
+            <ac:spMk id="2" creationId="{0CA361E0-7B72-4CA4-B0CF-D671FFBB1E60}"/>
+          </ac:spMkLst>
+        </pc:spChg>
+        <pc:spChg chg="del mod ord">
+          <ac:chgData name="Hewner, Mike" userId="7f3f83dd-6dfb-4127-a87f-c1714bd4fac9" providerId="ADAL" clId="{63D104E7-F55D-48AA-95B4-6F8EA59EB274}" dt="2021-10-04T14:33:57.351" v="9" actId="700"/>
+          <ac:spMkLst>
+            <pc:docMk/>
+            <pc:sldMk cId="2753487935" sldId="462"/>
+            <ac:spMk id="3" creationId="{2282F8F4-F7E6-47F2-BD26-0FC3C63E1E68}"/>
+          </ac:spMkLst>
+        </pc:spChg>
+        <pc:spChg chg="add mod ord">
+          <ac:chgData name="Hewner, Mike" userId="7f3f83dd-6dfb-4127-a87f-c1714bd4fac9" providerId="ADAL" clId="{63D104E7-F55D-48AA-95B4-6F8EA59EB274}" dt="2021-10-04T14:34:05.081" v="22" actId="20577"/>
+          <ac:spMkLst>
+            <pc:docMk/>
+            <pc:sldMk cId="2753487935" sldId="462"/>
+            <ac:spMk id="4" creationId="{04F554BD-4782-4008-9693-07DE57DF72B4}"/>
+          </ac:spMkLst>
+        </pc:spChg>
+        <pc:spChg chg="add mod ord">
+          <ac:chgData name="Hewner, Mike" userId="7f3f83dd-6dfb-4127-a87f-c1714bd4fac9" providerId="ADAL" clId="{63D104E7-F55D-48AA-95B4-6F8EA59EB274}" dt="2021-10-04T14:36:36.557" v="370" actId="20577"/>
+          <ac:spMkLst>
+            <pc:docMk/>
+            <pc:sldMk cId="2753487935" sldId="462"/>
+            <ac:spMk id="5" creationId="{560C11E5-B131-487E-9ED4-69B1A5373B5E}"/>
+          </ac:spMkLst>
+        </pc:spChg>
+      </pc:sldChg>
+    </pc:docChg>
+  </pc:docChgLst>
+</pc:chgInfo>
 </file>
 
 <file path=ppt/handoutMasters/handoutMaster1.xml><?xml version="1.0" encoding="utf-8"?>
@@ -866,9 +958,35 @@
       </p:grpSpPr>
       <p:sp>
         <p:nvSpPr>
-          <p:cNvPr id="2" name="Slide Image Placeholder 1"/>
+          <p:cNvPr id="7" name="Rectangle 7"/>
           <p:cNvSpPr>
-            <a:spLocks noGrp="1" noRot="1" noChangeAspect="1"/>
+            <a:spLocks noGrp="1" noChangeArrowheads="1"/>
+          </p:cNvSpPr>
+          <p:nvPr>
+            <p:ph type="sldNum" sz="quarter" idx="5"/>
+          </p:nvPr>
+        </p:nvSpPr>
+        <p:spPr>
+          <a:ln/>
+        </p:spPr>
+        <p:txBody>
+          <a:bodyPr/>
+          <a:lstStyle/>
+          <a:p>
+            <a:fld id="{517E0580-1F1C-4B93-836F-BF32645726EC}" type="slidenum">
+              <a:rPr lang="en-US"/>
+              <a:pPr/>
+              <a:t>3</a:t>
+            </a:fld>
+            <a:endParaRPr lang="en-US"/>
+          </a:p>
+        </p:txBody>
+      </p:sp>
+      <p:sp>
+        <p:nvSpPr>
+          <p:cNvPr id="83970" name="Rectangle 2"/>
+          <p:cNvSpPr>
+            <a:spLocks noGrp="1" noRot="1" noChangeAspect="1" noChangeArrowheads="1" noTextEdit="1"/>
           </p:cNvSpPr>
           <p:nvPr>
             <p:ph type="sldImg"/>
@@ -879,13 +997,14 @@
             <a:off x="460375" y="723900"/>
             <a:ext cx="6394450" cy="3597275"/>
           </a:xfrm>
+          <a:ln/>
         </p:spPr>
       </p:sp>
       <p:sp>
         <p:nvSpPr>
-          <p:cNvPr id="3" name="Notes Placeholder 2"/>
+          <p:cNvPr id="83971" name="Rectangle 3"/>
           <p:cNvSpPr>
-            <a:spLocks noGrp="1"/>
+            <a:spLocks noGrp="1" noChangeArrowheads="1"/>
           </p:cNvSpPr>
           <p:nvPr>
             <p:ph type="body" idx="1"/>
@@ -900,34 +1019,10 @@
           </a:p>
         </p:txBody>
       </p:sp>
-      <p:sp>
-        <p:nvSpPr>
-          <p:cNvPr id="4" name="Slide Number Placeholder 3"/>
-          <p:cNvSpPr>
-            <a:spLocks noGrp="1"/>
-          </p:cNvSpPr>
-          <p:nvPr>
-            <p:ph type="sldNum" sz="quarter" idx="10"/>
-          </p:nvPr>
-        </p:nvSpPr>
-        <p:spPr/>
-        <p:txBody>
-          <a:bodyPr/>
-          <a:lstStyle/>
-          <a:p>
-            <a:fld id="{A59661A3-F70F-48E8-AB77-4A34EFF09268}" type="slidenum">
-              <a:rPr lang="en-US" smtClean="0"/>
-              <a:pPr/>
-              <a:t>1</a:t>
-            </a:fld>
-            <a:endParaRPr lang="en-US"/>
-          </a:p>
-        </p:txBody>
-      </p:sp>
     </p:spTree>
     <p:extLst>
       <p:ext uri="{BB962C8B-B14F-4D97-AF65-F5344CB8AC3E}">
-        <p14:creationId xmlns:p14="http://schemas.microsoft.com/office/powerpoint/2010/main" val="3080333381"/>
+        <p14:creationId xmlns:p14="http://schemas.microsoft.com/office/powerpoint/2010/main" val="4069222298"/>
       </p:ext>
     </p:extLst>
   </p:cSld>
@@ -986,35 +1081,6 @@
           <a:bodyPr/>
           <a:lstStyle/>
           <a:p>
-            <a:r>
-              <a:rPr lang="en-US" dirty="0"/>
-              <a:t>In 404 you will probably get to choose the implementation language</a:t>
-            </a:r>
-          </a:p>
-          <a:p>
-            <a:endParaRPr lang="en-US" dirty="0"/>
-          </a:p>
-          <a:p>
-            <a:r>
-              <a:rPr lang="en-US" dirty="0"/>
-              <a:t>Source</a:t>
-            </a:r>
-            <a:r>
-              <a:rPr lang="en-US" baseline="0" dirty="0"/>
-              <a:t> language:</a:t>
-            </a:r>
-          </a:p>
-          <a:p>
-            <a:r>
-              <a:rPr lang="en-US" baseline="0" dirty="0"/>
-              <a:t>    Removes some low-level details.</a:t>
-            </a:r>
-          </a:p>
-          <a:p>
-            <a:r>
-              <a:rPr lang="en-US" baseline="0" dirty="0"/>
-              <a:t>    Makes testing easier.</a:t>
-            </a:r>
             <a:endParaRPr lang="en-US" dirty="0"/>
           </a:p>
         </p:txBody>
@@ -1037,7 +1103,7 @@
             <a:fld id="{1972F291-4360-4ECD-BA65-1091B7F268E3}" type="slidenum">
               <a:rPr lang="en-US" smtClean="0"/>
               <a:pPr/>
-              <a:t>30</a:t>
+              <a:t>32</a:t>
             </a:fld>
             <a:endParaRPr lang="en-US"/>
           </a:p>
@@ -1046,7 +1112,7 @@
     </p:spTree>
     <p:extLst>
       <p:ext uri="{BB962C8B-B14F-4D97-AF65-F5344CB8AC3E}">
-        <p14:creationId xmlns:p14="http://schemas.microsoft.com/office/powerpoint/2010/main" val="2484932498"/>
+        <p14:creationId xmlns:p14="http://schemas.microsoft.com/office/powerpoint/2010/main" val="3893722196"/>
       </p:ext>
     </p:extLst>
   </p:cSld>
@@ -1124,10 +1190,10 @@
           <a:bodyPr/>
           <a:lstStyle/>
           <a:p>
-            <a:fld id="{1972F291-4360-4ECD-BA65-1091B7F268E3}" type="slidenum">
+            <a:fld id="{A59661A3-F70F-48E8-AB77-4A34EFF09268}" type="slidenum">
               <a:rPr lang="en-US" smtClean="0"/>
               <a:pPr/>
-              <a:t>31</a:t>
+              <a:t>34</a:t>
             </a:fld>
             <a:endParaRPr lang="en-US"/>
           </a:p>
@@ -1136,7 +1202,7 @@
     </p:spTree>
     <p:extLst>
       <p:ext uri="{BB962C8B-B14F-4D97-AF65-F5344CB8AC3E}">
-        <p14:creationId xmlns:p14="http://schemas.microsoft.com/office/powerpoint/2010/main" val="3893722196"/>
+        <p14:creationId xmlns:p14="http://schemas.microsoft.com/office/powerpoint/2010/main" val="3688743148"/>
       </p:ext>
     </p:extLst>
   </p:cSld>
@@ -1206,7 +1272,7 @@
             <a:spLocks noGrp="1"/>
           </p:cNvSpPr>
           <p:nvPr>
-            <p:ph type="sldNum" sz="quarter" idx="10"/>
+            <p:ph type="sldNum" sz="quarter" idx="5"/>
           </p:nvPr>
         </p:nvSpPr>
         <p:spPr/>
@@ -1217,7 +1283,7 @@
             <a:fld id="{A59661A3-F70F-48E8-AB77-4A34EFF09268}" type="slidenum">
               <a:rPr lang="en-US" smtClean="0"/>
               <a:pPr/>
-              <a:t>33</a:t>
+              <a:t>39</a:t>
             </a:fld>
             <a:endParaRPr lang="en-US"/>
           </a:p>
@@ -1226,7 +1292,7 @@
     </p:spTree>
     <p:extLst>
       <p:ext uri="{BB962C8B-B14F-4D97-AF65-F5344CB8AC3E}">
-        <p14:creationId xmlns:p14="http://schemas.microsoft.com/office/powerpoint/2010/main" val="3688743148"/>
+        <p14:creationId xmlns:p14="http://schemas.microsoft.com/office/powerpoint/2010/main" val="646610576"/>
       </p:ext>
     </p:extLst>
   </p:cSld>
@@ -1282,96 +1348,6 @@
         </p:nvSpPr>
         <p:spPr/>
         <p:txBody>
-          <a:bodyPr/>
-          <a:lstStyle/>
-          <a:p>
-            <a:endParaRPr lang="en-US" dirty="0"/>
-          </a:p>
-        </p:txBody>
-      </p:sp>
-      <p:sp>
-        <p:nvSpPr>
-          <p:cNvPr id="4" name="Slide Number Placeholder 3"/>
-          <p:cNvSpPr>
-            <a:spLocks noGrp="1"/>
-          </p:cNvSpPr>
-          <p:nvPr>
-            <p:ph type="sldNum" sz="quarter" idx="5"/>
-          </p:nvPr>
-        </p:nvSpPr>
-        <p:spPr/>
-        <p:txBody>
-          <a:bodyPr/>
-          <a:lstStyle/>
-          <a:p>
-            <a:fld id="{A59661A3-F70F-48E8-AB77-4A34EFF09268}" type="slidenum">
-              <a:rPr lang="en-US" smtClean="0"/>
-              <a:pPr/>
-              <a:t>38</a:t>
-            </a:fld>
-            <a:endParaRPr lang="en-US"/>
-          </a:p>
-        </p:txBody>
-      </p:sp>
-    </p:spTree>
-    <p:extLst>
-      <p:ext uri="{BB962C8B-B14F-4D97-AF65-F5344CB8AC3E}">
-        <p14:creationId xmlns:p14="http://schemas.microsoft.com/office/powerpoint/2010/main" val="646610576"/>
-      </p:ext>
-    </p:extLst>
-  </p:cSld>
-  <p:clrMapOvr>
-    <a:masterClrMapping/>
-  </p:clrMapOvr>
-</p:notes>
-</file>
-
-<file path=ppt/notesSlides/notesSlide14.xml><?xml version="1.0" encoding="utf-8"?>
-<p:notes xmlns:a="http://schemas.openxmlformats.org/drawingml/2006/main" xmlns:r="http://schemas.openxmlformats.org/officeDocument/2006/relationships" xmlns:p="http://schemas.openxmlformats.org/presentationml/2006/main">
-  <p:cSld>
-    <p:spTree>
-      <p:nvGrpSpPr>
-        <p:cNvPr id="1" name=""/>
-        <p:cNvGrpSpPr/>
-        <p:nvPr/>
-      </p:nvGrpSpPr>
-      <p:grpSpPr>
-        <a:xfrm>
-          <a:off x="0" y="0"/>
-          <a:ext cx="0" cy="0"/>
-          <a:chOff x="0" y="0"/>
-          <a:chExt cx="0" cy="0"/>
-        </a:xfrm>
-      </p:grpSpPr>
-      <p:sp>
-        <p:nvSpPr>
-          <p:cNvPr id="2" name="Slide Image Placeholder 1"/>
-          <p:cNvSpPr>
-            <a:spLocks noGrp="1" noRot="1" noChangeAspect="1"/>
-          </p:cNvSpPr>
-          <p:nvPr>
-            <p:ph type="sldImg"/>
-          </p:nvPr>
-        </p:nvSpPr>
-        <p:spPr>
-          <a:xfrm>
-            <a:off x="460375" y="723900"/>
-            <a:ext cx="6394450" cy="3597275"/>
-          </a:xfrm>
-        </p:spPr>
-      </p:sp>
-      <p:sp>
-        <p:nvSpPr>
-          <p:cNvPr id="3" name="Notes Placeholder 2"/>
-          <p:cNvSpPr>
-            <a:spLocks noGrp="1"/>
-          </p:cNvSpPr>
-          <p:nvPr>
-            <p:ph type="body" idx="1"/>
-          </p:nvPr>
-        </p:nvSpPr>
-        <p:spPr/>
-        <p:txBody>
           <a:bodyPr>
             <a:normAutofit/>
           </a:bodyPr>
@@ -1402,7 +1378,7 @@
             <a:fld id="{1972F291-4360-4ECD-BA65-1091B7F268E3}" type="slidenum">
               <a:rPr lang="en-US" smtClean="0"/>
               <a:pPr/>
-              <a:t>39</a:t>
+              <a:t>40</a:t>
             </a:fld>
             <a:endParaRPr lang="en-US"/>
           </a:p>
@@ -1421,7 +1397,7 @@
 </p:notes>
 </file>
 
-<file path=ppt/notesSlides/notesSlide15.xml><?xml version="1.0" encoding="utf-8"?>
+<file path=ppt/notesSlides/notesSlide14.xml><?xml version="1.0" encoding="utf-8"?>
 <p:notes xmlns:a="http://schemas.openxmlformats.org/drawingml/2006/main" xmlns:r="http://schemas.openxmlformats.org/officeDocument/2006/relationships" xmlns:p="http://schemas.openxmlformats.org/presentationml/2006/main">
   <p:cSld>
     <p:spTree>
@@ -1487,7 +1463,7 @@
             <a:fld id="{1972F291-4360-4ECD-BA65-1091B7F268E3}" type="slidenum">
               <a:rPr lang="en-US" smtClean="0"/>
               <a:pPr/>
-              <a:t>40</a:t>
+              <a:t>41</a:t>
             </a:fld>
             <a:endParaRPr lang="en-US"/>
           </a:p>
@@ -1525,53 +1501,21 @@
       </p:grpSpPr>
       <p:sp>
         <p:nvSpPr>
-          <p:cNvPr id="7" name="Rectangle 7"/>
+          <p:cNvPr id="2" name="Slide Image Placeholder 1"/>
           <p:cNvSpPr>
-            <a:spLocks noGrp="1" noChangeArrowheads="1"/>
-          </p:cNvSpPr>
-          <p:nvPr>
-            <p:ph type="sldNum" sz="quarter" idx="5"/>
-          </p:nvPr>
-        </p:nvSpPr>
-        <p:spPr>
-          <a:ln/>
-        </p:spPr>
-        <p:txBody>
-          <a:bodyPr/>
-          <a:lstStyle/>
-          <a:p>
-            <a:fld id="{517E0580-1F1C-4B93-836F-BF32645726EC}" type="slidenum">
-              <a:rPr lang="en-US"/>
-              <a:pPr/>
-              <a:t>2</a:t>
-            </a:fld>
-            <a:endParaRPr lang="en-US"/>
-          </a:p>
-        </p:txBody>
-      </p:sp>
-      <p:sp>
-        <p:nvSpPr>
-          <p:cNvPr id="83970" name="Rectangle 2"/>
-          <p:cNvSpPr>
-            <a:spLocks noGrp="1" noRot="1" noChangeAspect="1" noChangeArrowheads="1" noTextEdit="1"/>
+            <a:spLocks noGrp="1" noRot="1" noChangeAspect="1"/>
           </p:cNvSpPr>
           <p:nvPr>
             <p:ph type="sldImg"/>
           </p:nvPr>
         </p:nvSpPr>
-        <p:spPr>
-          <a:xfrm>
-            <a:off x="460375" y="723900"/>
-            <a:ext cx="6394450" cy="3597275"/>
-          </a:xfrm>
-          <a:ln/>
-        </p:spPr>
+        <p:spPr/>
       </p:sp>
       <p:sp>
         <p:nvSpPr>
-          <p:cNvPr id="83971" name="Rectangle 3"/>
+          <p:cNvPr id="3" name="Notes Placeholder 2"/>
           <p:cNvSpPr>
-            <a:spLocks noGrp="1" noChangeArrowheads="1"/>
+            <a:spLocks noGrp="1"/>
           </p:cNvSpPr>
           <p:nvPr>
             <p:ph type="body" idx="1"/>
@@ -1586,10 +1530,34 @@
           </a:p>
         </p:txBody>
       </p:sp>
+      <p:sp>
+        <p:nvSpPr>
+          <p:cNvPr id="4" name="Slide Number Placeholder 3"/>
+          <p:cNvSpPr>
+            <a:spLocks noGrp="1"/>
+          </p:cNvSpPr>
+          <p:nvPr>
+            <p:ph type="sldNum" sz="quarter" idx="10"/>
+          </p:nvPr>
+        </p:nvSpPr>
+        <p:spPr/>
+        <p:txBody>
+          <a:bodyPr/>
+          <a:lstStyle/>
+          <a:p>
+            <a:fld id="{A59661A3-F70F-48E8-AB77-4A34EFF09268}" type="slidenum">
+              <a:rPr lang="en-US" smtClean="0"/>
+              <a:pPr/>
+              <a:t>4</a:t>
+            </a:fld>
+            <a:endParaRPr lang="en-US"/>
+          </a:p>
+        </p:txBody>
+      </p:sp>
     </p:spTree>
     <p:extLst>
       <p:ext uri="{BB962C8B-B14F-4D97-AF65-F5344CB8AC3E}">
-        <p14:creationId xmlns:p14="http://schemas.microsoft.com/office/powerpoint/2010/main" val="4069222298"/>
+        <p14:creationId xmlns:p14="http://schemas.microsoft.com/office/powerpoint/2010/main" val="885742504"/>
       </p:ext>
     </p:extLst>
   </p:cSld>
@@ -1643,7 +1611,10 @@
           <a:bodyPr/>
           <a:lstStyle/>
           <a:p>
-            <a:endParaRPr lang="en-US" dirty="0"/>
+            <a:r>
+              <a:rPr lang="en-US" dirty="0"/>
+              <a:t>Recall what we did with non-negative integers.  We first defined the interface and understood how it worked.  Then we looked at various implementations.  That is what we will do today with environments.</a:t>
+            </a:r>
           </a:p>
         </p:txBody>
       </p:sp>
@@ -1654,7 +1625,7 @@
             <a:spLocks noGrp="1"/>
           </p:cNvSpPr>
           <p:nvPr>
-            <p:ph type="sldNum" sz="quarter" idx="10"/>
+            <p:ph type="sldNum" sz="quarter" idx="5"/>
           </p:nvPr>
         </p:nvSpPr>
         <p:spPr/>
@@ -1665,7 +1636,7 @@
             <a:fld id="{A59661A3-F70F-48E8-AB77-4A34EFF09268}" type="slidenum">
               <a:rPr lang="en-US" smtClean="0"/>
               <a:pPr/>
-              <a:t>3</a:t>
+              <a:t>6</a:t>
             </a:fld>
             <a:endParaRPr lang="en-US"/>
           </a:p>
@@ -1674,7 +1645,7 @@
     </p:spTree>
     <p:extLst>
       <p:ext uri="{BB962C8B-B14F-4D97-AF65-F5344CB8AC3E}">
-        <p14:creationId xmlns:p14="http://schemas.microsoft.com/office/powerpoint/2010/main" val="885742504"/>
+        <p14:creationId xmlns:p14="http://schemas.microsoft.com/office/powerpoint/2010/main" val="3061790213"/>
       </p:ext>
     </p:extLst>
   </p:cSld>
@@ -1711,7 +1682,12 @@
             <p:ph type="sldImg"/>
           </p:nvPr>
         </p:nvSpPr>
-        <p:spPr/>
+        <p:spPr>
+          <a:xfrm>
+            <a:off x="460375" y="723900"/>
+            <a:ext cx="6394450" cy="3597275"/>
+          </a:xfrm>
+        </p:spPr>
       </p:sp>
       <p:sp>
         <p:nvSpPr>
@@ -1728,10 +1704,7 @@
           <a:bodyPr/>
           <a:lstStyle/>
           <a:p>
-            <a:r>
-              <a:rPr lang="en-US" dirty="0"/>
-              <a:t>Recall what we did with non-negative integers.  We first defined the interface and understood how it worked.  Then we looked at various implementations.  That is what we will do today with environments.</a:t>
-            </a:r>
+            <a:endParaRPr lang="en-US" dirty="0"/>
           </a:p>
         </p:txBody>
       </p:sp>
@@ -1753,7 +1726,7 @@
             <a:fld id="{A59661A3-F70F-48E8-AB77-4A34EFF09268}" type="slidenum">
               <a:rPr lang="en-US" smtClean="0"/>
               <a:pPr/>
-              <a:t>5</a:t>
+              <a:t>12</a:t>
             </a:fld>
             <a:endParaRPr lang="en-US"/>
           </a:p>
@@ -1762,7 +1735,7 @@
     </p:spTree>
     <p:extLst>
       <p:ext uri="{BB962C8B-B14F-4D97-AF65-F5344CB8AC3E}">
-        <p14:creationId xmlns:p14="http://schemas.microsoft.com/office/powerpoint/2010/main" val="3061790213"/>
+        <p14:creationId xmlns:p14="http://schemas.microsoft.com/office/powerpoint/2010/main" val="3986131547"/>
       </p:ext>
     </p:extLst>
   </p:cSld>
@@ -1843,7 +1816,7 @@
             <a:fld id="{A59661A3-F70F-48E8-AB77-4A34EFF09268}" type="slidenum">
               <a:rPr lang="en-US" smtClean="0"/>
               <a:pPr/>
-              <a:t>11</a:t>
+              <a:t>18</a:t>
             </a:fld>
             <a:endParaRPr lang="en-US"/>
           </a:p>
@@ -1852,7 +1825,7 @@
     </p:spTree>
     <p:extLst>
       <p:ext uri="{BB962C8B-B14F-4D97-AF65-F5344CB8AC3E}">
-        <p14:creationId xmlns:p14="http://schemas.microsoft.com/office/powerpoint/2010/main" val="3986131547"/>
+        <p14:creationId xmlns:p14="http://schemas.microsoft.com/office/powerpoint/2010/main" val="904247301"/>
       </p:ext>
     </p:extLst>
   </p:cSld>
@@ -1933,7 +1906,7 @@
             <a:fld id="{A59661A3-F70F-48E8-AB77-4A34EFF09268}" type="slidenum">
               <a:rPr lang="en-US" smtClean="0"/>
               <a:pPr/>
-              <a:t>17</a:t>
+              <a:t>23</a:t>
             </a:fld>
             <a:endParaRPr lang="en-US"/>
           </a:p>
@@ -1942,7 +1915,7 @@
     </p:spTree>
     <p:extLst>
       <p:ext uri="{BB962C8B-B14F-4D97-AF65-F5344CB8AC3E}">
-        <p14:creationId xmlns:p14="http://schemas.microsoft.com/office/powerpoint/2010/main" val="904247301"/>
+        <p14:creationId xmlns:p14="http://schemas.microsoft.com/office/powerpoint/2010/main" val="932361303"/>
       </p:ext>
     </p:extLst>
   </p:cSld>
@@ -2012,7 +1985,7 @@
             <a:spLocks noGrp="1"/>
           </p:cNvSpPr>
           <p:nvPr>
-            <p:ph type="sldNum" sz="quarter" idx="5"/>
+            <p:ph type="sldNum" sz="quarter" idx="10"/>
           </p:nvPr>
         </p:nvSpPr>
         <p:spPr/>
@@ -2020,10 +1993,10 @@
           <a:bodyPr/>
           <a:lstStyle/>
           <a:p>
-            <a:fld id="{A59661A3-F70F-48E8-AB77-4A34EFF09268}" type="slidenum">
+            <a:fld id="{1972F291-4360-4ECD-BA65-1091B7F268E3}" type="slidenum">
               <a:rPr lang="en-US" smtClean="0"/>
               <a:pPr/>
-              <a:t>22</a:t>
+              <a:t>28</a:t>
             </a:fld>
             <a:endParaRPr lang="en-US"/>
           </a:p>
@@ -2032,7 +2005,7 @@
     </p:spTree>
     <p:extLst>
       <p:ext uri="{BB962C8B-B14F-4D97-AF65-F5344CB8AC3E}">
-        <p14:creationId xmlns:p14="http://schemas.microsoft.com/office/powerpoint/2010/main" val="932361303"/>
+        <p14:creationId xmlns:p14="http://schemas.microsoft.com/office/powerpoint/2010/main" val="3503154345"/>
       </p:ext>
     </p:extLst>
   </p:cSld>
@@ -2102,7 +2075,7 @@
             <a:spLocks noGrp="1"/>
           </p:cNvSpPr>
           <p:nvPr>
-            <p:ph type="sldNum" sz="quarter" idx="10"/>
+            <p:ph type="sldNum" sz="quarter" idx="5"/>
           </p:nvPr>
         </p:nvSpPr>
         <p:spPr/>
@@ -2110,10 +2083,10 @@
           <a:bodyPr/>
           <a:lstStyle/>
           <a:p>
-            <a:fld id="{1972F291-4360-4ECD-BA65-1091B7F268E3}" type="slidenum">
+            <a:fld id="{A59661A3-F70F-48E8-AB77-4A34EFF09268}" type="slidenum">
               <a:rPr lang="en-US" smtClean="0"/>
               <a:pPr/>
-              <a:t>27</a:t>
+              <a:t>29</a:t>
             </a:fld>
             <a:endParaRPr lang="en-US"/>
           </a:p>
@@ -2122,7 +2095,7 @@
     </p:spTree>
     <p:extLst>
       <p:ext uri="{BB962C8B-B14F-4D97-AF65-F5344CB8AC3E}">
-        <p14:creationId xmlns:p14="http://schemas.microsoft.com/office/powerpoint/2010/main" val="3503154345"/>
+        <p14:creationId xmlns:p14="http://schemas.microsoft.com/office/powerpoint/2010/main" val="2604606875"/>
       </p:ext>
     </p:extLst>
   </p:cSld>
@@ -2181,6 +2154,35 @@
           <a:bodyPr/>
           <a:lstStyle/>
           <a:p>
+            <a:r>
+              <a:rPr lang="en-US" dirty="0"/>
+              <a:t>In 404 you will probably get to choose the implementation language</a:t>
+            </a:r>
+          </a:p>
+          <a:p>
+            <a:endParaRPr lang="en-US" dirty="0"/>
+          </a:p>
+          <a:p>
+            <a:r>
+              <a:rPr lang="en-US" dirty="0"/>
+              <a:t>Source</a:t>
+            </a:r>
+            <a:r>
+              <a:rPr lang="en-US" baseline="0" dirty="0"/>
+              <a:t> language:</a:t>
+            </a:r>
+          </a:p>
+          <a:p>
+            <a:r>
+              <a:rPr lang="en-US" baseline="0" dirty="0"/>
+              <a:t>    Removes some low-level details.</a:t>
+            </a:r>
+          </a:p>
+          <a:p>
+            <a:r>
+              <a:rPr lang="en-US" baseline="0" dirty="0"/>
+              <a:t>    Makes testing easier.</a:t>
+            </a:r>
             <a:endParaRPr lang="en-US" dirty="0"/>
           </a:p>
         </p:txBody>
@@ -2192,7 +2194,7 @@
             <a:spLocks noGrp="1"/>
           </p:cNvSpPr>
           <p:nvPr>
-            <p:ph type="sldNum" sz="quarter" idx="5"/>
+            <p:ph type="sldNum" sz="quarter" idx="10"/>
           </p:nvPr>
         </p:nvSpPr>
         <p:spPr/>
@@ -2200,10 +2202,10 @@
           <a:bodyPr/>
           <a:lstStyle/>
           <a:p>
-            <a:fld id="{A59661A3-F70F-48E8-AB77-4A34EFF09268}" type="slidenum">
+            <a:fld id="{1972F291-4360-4ECD-BA65-1091B7F268E3}" type="slidenum">
               <a:rPr lang="en-US" smtClean="0"/>
               <a:pPr/>
-              <a:t>28</a:t>
+              <a:t>31</a:t>
             </a:fld>
             <a:endParaRPr lang="en-US"/>
           </a:p>
@@ -2212,7 +2214,7 @@
     </p:spTree>
     <p:extLst>
       <p:ext uri="{BB962C8B-B14F-4D97-AF65-F5344CB8AC3E}">
-        <p14:creationId xmlns:p14="http://schemas.microsoft.com/office/powerpoint/2010/main" val="2604606875"/>
+        <p14:creationId xmlns:p14="http://schemas.microsoft.com/office/powerpoint/2010/main" val="2484932498"/>
       </p:ext>
     </p:extLst>
   </p:cSld>
@@ -4568,9 +4570,111 @@
       </p:grpSpPr>
       <p:sp>
         <p:nvSpPr>
-          <p:cNvPr id="15362" name="Rectangle 2"/>
+          <p:cNvPr id="4" name="Title 3">
+            <a:extLst>
+              <a:ext uri="{FF2B5EF4-FFF2-40B4-BE49-F238E27FC236}">
+                <a16:creationId xmlns:a16="http://schemas.microsoft.com/office/drawing/2014/main" id="{04F554BD-4782-4008-9693-07DE57DF72B4}"/>
+              </a:ext>
+            </a:extLst>
+          </p:cNvPr>
           <p:cNvSpPr>
-            <a:spLocks noGrp="1" noChangeArrowheads="1"/>
+            <a:spLocks noGrp="1"/>
+          </p:cNvSpPr>
+          <p:nvPr>
+            <p:ph type="title"/>
+          </p:nvPr>
+        </p:nvSpPr>
+        <p:spPr/>
+        <p:txBody>
+          <a:bodyPr/>
+          <a:lstStyle/>
+          <a:p>
+            <a:r>
+              <a:rPr lang="en-US" dirty="0"/>
+              <a:t>Exam 1 Grades</a:t>
+            </a:r>
+          </a:p>
+        </p:txBody>
+      </p:sp>
+      <p:sp>
+        <p:nvSpPr>
+          <p:cNvPr id="5" name="Content Placeholder 4">
+            <a:extLst>
+              <a:ext uri="{FF2B5EF4-FFF2-40B4-BE49-F238E27FC236}">
+                <a16:creationId xmlns:a16="http://schemas.microsoft.com/office/drawing/2014/main" id="{560C11E5-B131-487E-9ED4-69B1A5373B5E}"/>
+              </a:ext>
+            </a:extLst>
+          </p:cNvPr>
+          <p:cNvSpPr>
+            <a:spLocks noGrp="1"/>
+          </p:cNvSpPr>
+          <p:nvPr>
+            <p:ph idx="1"/>
+          </p:nvPr>
+        </p:nvSpPr>
+        <p:spPr/>
+        <p:txBody>
+          <a:bodyPr/>
+          <a:lstStyle/>
+          <a:p>
+            <a:r>
+              <a:rPr lang="en-US" dirty="0"/>
+              <a:t>A little lower than they have been in previous years</a:t>
+            </a:r>
+          </a:p>
+          <a:p>
+            <a:r>
+              <a:rPr lang="en-US" dirty="0"/>
+              <a:t>If I see an improvement in later exams I may well de-weight Exam 1…but note that the other exams are considered harder</a:t>
+            </a:r>
+          </a:p>
+          <a:p>
+            <a:r>
+              <a:rPr lang="en-US" dirty="0"/>
+              <a:t>If you do decide to drop, let me know sooner and I’ll figure out something for </a:t>
+            </a:r>
+            <a:r>
+              <a:rPr lang="en-US"/>
+              <a:t>your interpreter partner</a:t>
+            </a:r>
+          </a:p>
+        </p:txBody>
+      </p:sp>
+    </p:spTree>
+    <p:extLst>
+      <p:ext uri="{BB962C8B-B14F-4D97-AF65-F5344CB8AC3E}">
+        <p14:creationId xmlns:p14="http://schemas.microsoft.com/office/powerpoint/2010/main" val="2753487935"/>
+      </p:ext>
+    </p:extLst>
+  </p:cSld>
+  <p:clrMapOvr>
+    <a:masterClrMapping/>
+  </p:clrMapOvr>
+</p:sld>
+</file>
+
+<file path=ppt/slides/slide10.xml><?xml version="1.0" encoding="utf-8"?>
+<p:sld xmlns:a="http://schemas.openxmlformats.org/drawingml/2006/main" xmlns:r="http://schemas.openxmlformats.org/officeDocument/2006/relationships" xmlns:p="http://schemas.openxmlformats.org/presentationml/2006/main">
+  <p:cSld>
+    <p:spTree>
+      <p:nvGrpSpPr>
+        <p:cNvPr id="1" name=""/>
+        <p:cNvGrpSpPr/>
+        <p:nvPr/>
+      </p:nvGrpSpPr>
+      <p:grpSpPr>
+        <a:xfrm>
+          <a:off x="0" y="0"/>
+          <a:ext cx="0" cy="0"/>
+          <a:chOff x="0" y="0"/>
+          <a:chExt cx="0" cy="0"/>
+        </a:xfrm>
+      </p:grpSpPr>
+      <p:sp>
+        <p:nvSpPr>
+          <p:cNvPr id="2" name="Title 1"/>
+          <p:cNvSpPr>
+            <a:spLocks noGrp="1"/>
           </p:cNvSpPr>
           <p:nvPr>
             <p:ph type="title"/>
@@ -4578,8 +4682,8 @@
         </p:nvSpPr>
         <p:spPr>
           <a:xfrm>
-            <a:off x="2209800" y="-228600"/>
-            <a:ext cx="7772400" cy="1143000"/>
+            <a:off x="3181350" y="1028700"/>
+            <a:ext cx="5829300" cy="857250"/>
           </a:xfrm>
         </p:spPr>
         <p:txBody>
@@ -4588,306 +4692,239 @@
           <a:p>
             <a:r>
               <a:rPr lang="en-US" dirty="0"/>
-              <a:t>Prelude</a:t>
+              <a:t>Auxiliary procedure</a:t>
             </a:r>
           </a:p>
         </p:txBody>
       </p:sp>
       <p:sp>
         <p:nvSpPr>
-          <p:cNvPr id="15363" name="Rectangle 3"/>
-          <p:cNvSpPr>
-            <a:spLocks noGrp="1" noChangeArrowheads="1"/>
-          </p:cNvSpPr>
-          <p:nvPr>
-            <p:ph type="body" sz="half" idx="1"/>
-          </p:nvPr>
+          <p:cNvPr id="4" name="TextBox 3"/>
+          <p:cNvSpPr txBox="1"/>
+          <p:nvPr/>
         </p:nvSpPr>
         <p:spPr>
           <a:xfrm>
-            <a:off x="1905000" y="762000"/>
-            <a:ext cx="8458200" cy="1143000"/>
-          </a:xfrm>
-        </p:spPr>
-        <p:txBody>
-          <a:bodyPr/>
-          <a:lstStyle/>
-          <a:p>
-            <a:r>
-              <a:rPr lang="en-US" sz="2800" dirty="0"/>
-              <a:t>Another place where you have encountered the notions of free and bound variables, and lexical scope.</a:t>
-            </a:r>
-          </a:p>
-          <a:p>
-            <a:endParaRPr lang="en-US" sz="2800" dirty="0"/>
-          </a:p>
-        </p:txBody>
-      </p:sp>
-      <p:pic>
-        <p:nvPicPr>
-          <p:cNvPr id="15364" name="Picture 4"/>
-          <p:cNvPicPr>
-            <a:picLocks noGrp="1" noChangeAspect="1" noChangeArrowheads="1"/>
-          </p:cNvPicPr>
-          <p:nvPr>
-            <p:ph sz="half" idx="2"/>
-          </p:nvPr>
-        </p:nvPicPr>
-        <p:blipFill>
-          <a:blip r:embed="rId4" cstate="print"/>
-          <a:srcRect/>
-          <a:stretch>
-            <a:fillRect/>
-          </a:stretch>
-        </p:blipFill>
-        <p:spPr>
-          <a:xfrm>
-            <a:off x="2514600" y="1752601"/>
-            <a:ext cx="6858000" cy="2901114"/>
-          </a:xfrm>
-          <a:noFill/>
-          <a:ln/>
-        </p:spPr>
-      </p:pic>
-      <p:sp>
-        <p:nvSpPr>
-          <p:cNvPr id="5" name="Rectangle 3"/>
-          <p:cNvSpPr txBox="1">
-            <a:spLocks noChangeArrowheads="1"/>
-          </p:cNvSpPr>
-          <p:nvPr/>
-        </p:nvSpPr>
-        <p:spPr bwMode="auto">
-          <a:xfrm>
-            <a:off x="1828800" y="4648200"/>
-            <a:ext cx="8458200" cy="1828800"/>
+            <a:off x="2266950" y="1885952"/>
+            <a:ext cx="7600950" cy="3693319"/>
           </a:xfrm>
           <a:prstGeom prst="rect">
             <a:avLst/>
           </a:prstGeom>
           <a:noFill/>
-          <a:ln w="9525">
-            <a:noFill/>
-            <a:miter lim="800000"/>
-            <a:headEnd/>
-            <a:tailEnd/>
-          </a:ln>
-          <a:effectLst/>
         </p:spPr>
         <p:txBody>
-          <a:bodyPr vert="horz" wrap="square" lIns="91440" tIns="45720" rIns="91440" bIns="45720" numCol="1" anchor="t" anchorCtr="0" compatLnSpc="1">
-            <a:prstTxWarp prst="textNoShape">
-              <a:avLst/>
-            </a:prstTxWarp>
+          <a:bodyPr wrap="square" rtlCol="0">
+            <a:spAutoFit/>
           </a:bodyPr>
           <a:lstStyle/>
           <a:p>
-            <a:pPr marL="342900" indent="-342900">
-              <a:spcBef>
-                <a:spcPct val="20000"/>
-              </a:spcBef>
-              <a:buFontTx/>
-              <a:buChar char="•"/>
-            </a:pPr>
-            <a:r>
-              <a:rPr lang="en-US" sz="2800" kern="0" dirty="0">
-                <a:solidFill>
-                  <a:schemeClr val="bg2">
-                    <a:lumMod val="20000"/>
-                    <a:lumOff val="80000"/>
-                  </a:schemeClr>
-                </a:solidFill>
-                <a:latin typeface="+mn-lt"/>
-              </a:rPr>
-              <a:t> A wonderful article about integrals in the April 18, 2010 New York Times: </a:t>
-            </a:r>
-            <a:r>
-              <a:rPr lang="en-US" sz="2800" b="1" i="1" kern="0" dirty="0">
-                <a:solidFill>
-                  <a:srgbClr val="FFFF00"/>
-                </a:solidFill>
-                <a:latin typeface="+mn-lt"/>
-              </a:rPr>
-              <a:t>It Slices, it dices! </a:t>
-            </a:r>
-            <a:r>
-              <a:rPr lang="en-US" sz="2800" kern="0" dirty="0">
-                <a:latin typeface="+mn-lt"/>
-                <a:hlinkClick r:id="rId5"/>
-              </a:rPr>
-              <a:t>http://opinionator.blogs.nytimes.com/2010/04/18/it-slices-it-dices/?th&amp;emc=th</a:t>
-            </a:r>
-            <a:r>
-              <a:rPr lang="en-US" sz="2800" kern="0" dirty="0">
-                <a:latin typeface="+mn-lt"/>
-              </a:rPr>
-              <a:t> </a:t>
-            </a:r>
+            <a:r>
+              <a:rPr lang="en-US" b="1" dirty="0">
+                <a:solidFill>
+                  <a:srgbClr val="00FF00"/>
+                </a:solidFill>
+                <a:latin typeface="Courier New" pitchFamily="49" charset="0"/>
+                <a:cs typeface="Courier New" pitchFamily="49" charset="0"/>
+              </a:rPr>
+              <a:t>; returns position of </a:t>
+            </a:r>
+            <a:r>
+              <a:rPr lang="en-US" dirty="0">
+                <a:solidFill>
+                  <a:srgbClr val="00FF00"/>
+                </a:solidFill>
+                <a:latin typeface="Courier New" pitchFamily="49" charset="0"/>
+                <a:cs typeface="Courier New" pitchFamily="49" charset="0"/>
+              </a:rPr>
+              <a:t>sym</a:t>
+            </a:r>
+            <a:r>
+              <a:rPr lang="en-US" b="1" dirty="0">
+                <a:solidFill>
+                  <a:srgbClr val="00FF00"/>
+                </a:solidFill>
+                <a:latin typeface="Courier New" pitchFamily="49" charset="0"/>
+                <a:cs typeface="Courier New" pitchFamily="49" charset="0"/>
+              </a:rPr>
+              <a:t> in </a:t>
+            </a:r>
+            <a:r>
+              <a:rPr lang="en-US" dirty="0">
+                <a:solidFill>
+                  <a:srgbClr val="00FF00"/>
+                </a:solidFill>
+                <a:latin typeface="Courier New" pitchFamily="49" charset="0"/>
+                <a:cs typeface="Courier New" pitchFamily="49" charset="0"/>
+              </a:rPr>
+              <a:t>los</a:t>
+            </a:r>
+            <a:r>
+              <a:rPr lang="en-US" b="1" dirty="0">
+                <a:solidFill>
+                  <a:srgbClr val="00FF00"/>
+                </a:solidFill>
+                <a:latin typeface="Courier New" pitchFamily="49" charset="0"/>
+                <a:cs typeface="Courier New" pitchFamily="49" charset="0"/>
+              </a:rPr>
+              <a:t> (or </a:t>
+            </a:r>
+            <a:r>
+              <a:rPr lang="en-US" dirty="0">
+                <a:solidFill>
+                  <a:srgbClr val="00FF00"/>
+                </a:solidFill>
+                <a:latin typeface="Courier New" pitchFamily="49" charset="0"/>
+                <a:cs typeface="Courier New" pitchFamily="49" charset="0"/>
+              </a:rPr>
+              <a:t>#f</a:t>
+            </a:r>
+            <a:r>
+              <a:rPr lang="en-US" b="1" dirty="0">
+                <a:solidFill>
+                  <a:srgbClr val="00FF00"/>
+                </a:solidFill>
+                <a:latin typeface="Courier New" pitchFamily="49" charset="0"/>
+                <a:cs typeface="Courier New" pitchFamily="49" charset="0"/>
+              </a:rPr>
+              <a:t>)</a:t>
+            </a:r>
+          </a:p>
+          <a:p>
+            <a:endParaRPr lang="en-US" dirty="0">
+              <a:solidFill>
+                <a:schemeClr val="bg1"/>
+              </a:solidFill>
+              <a:latin typeface="Courier New" pitchFamily="49" charset="0"/>
+              <a:cs typeface="Courier New" pitchFamily="49" charset="0"/>
+            </a:endParaRPr>
+          </a:p>
+          <a:p>
+            <a:r>
+              <a:rPr lang="en-US" dirty="0">
+                <a:solidFill>
+                  <a:schemeClr val="bg1"/>
+                </a:solidFill>
+                <a:latin typeface="Courier New" pitchFamily="49" charset="0"/>
+                <a:cs typeface="Courier New" pitchFamily="49" charset="0"/>
+              </a:rPr>
+              <a:t>(define list-find-position </a:t>
+            </a:r>
+          </a:p>
+          <a:p>
+            <a:r>
+              <a:rPr lang="en-US" dirty="0">
+                <a:solidFill>
+                  <a:schemeClr val="bg1"/>
+                </a:solidFill>
+                <a:latin typeface="Courier New" pitchFamily="49" charset="0"/>
+                <a:cs typeface="Courier New" pitchFamily="49" charset="0"/>
+              </a:rPr>
+              <a:t>  (lambda (sym los)</a:t>
+            </a:r>
+          </a:p>
+          <a:p>
+            <a:r>
+              <a:rPr lang="en-US" dirty="0">
+                <a:solidFill>
+                  <a:schemeClr val="bg1"/>
+                </a:solidFill>
+                <a:latin typeface="Courier New" pitchFamily="49" charset="0"/>
+                <a:cs typeface="Courier New" pitchFamily="49" charset="0"/>
+              </a:rPr>
+              <a:t>    (let loop ([los los] [pos 0])</a:t>
+            </a:r>
+          </a:p>
+          <a:p>
+            <a:r>
+              <a:rPr lang="en-US" dirty="0">
+                <a:solidFill>
+                  <a:schemeClr val="bg1"/>
+                </a:solidFill>
+                <a:latin typeface="Courier New" pitchFamily="49" charset="0"/>
+                <a:cs typeface="Courier New" pitchFamily="49" charset="0"/>
+              </a:rPr>
+              <a:t>      (cond [(null? los) #f]</a:t>
+            </a:r>
+          </a:p>
+          <a:p>
+            <a:r>
+              <a:rPr lang="en-US" dirty="0">
+                <a:solidFill>
+                  <a:schemeClr val="bg1"/>
+                </a:solidFill>
+                <a:latin typeface="Courier New" pitchFamily="49" charset="0"/>
+                <a:cs typeface="Courier New" pitchFamily="49" charset="0"/>
+              </a:rPr>
+              <a:t>	    [(eq? sym (car los)) pos]</a:t>
+            </a:r>
+          </a:p>
+          <a:p>
+            <a:r>
+              <a:rPr lang="en-US" dirty="0">
+                <a:solidFill>
+                  <a:schemeClr val="bg1"/>
+                </a:solidFill>
+                <a:latin typeface="Courier New" pitchFamily="49" charset="0"/>
+                <a:cs typeface="Courier New" pitchFamily="49" charset="0"/>
+              </a:rPr>
+              <a:t>	    [else (loop (cdr los) </a:t>
+            </a:r>
+          </a:p>
+          <a:p>
+            <a:r>
+              <a:rPr lang="en-US" dirty="0">
+                <a:solidFill>
+                  <a:schemeClr val="bg1"/>
+                </a:solidFill>
+                <a:latin typeface="Courier New" pitchFamily="49" charset="0"/>
+                <a:cs typeface="Courier New" pitchFamily="49" charset="0"/>
+              </a:rPr>
+              <a:t>                    (add1 pos))]))))</a:t>
+            </a:r>
+            <a:endParaRPr lang="en-US" sz="2100" dirty="0">
+              <a:solidFill>
+                <a:schemeClr val="bg1"/>
+              </a:solidFill>
+              <a:latin typeface="Courier New" pitchFamily="49" charset="0"/>
+              <a:cs typeface="Courier New" pitchFamily="49" charset="0"/>
+            </a:endParaRPr>
+          </a:p>
+          <a:p>
+            <a:r>
+              <a:rPr lang="en-US" sz="1800" dirty="0">
+                <a:solidFill>
+                  <a:schemeClr val="bg1"/>
+                </a:solidFill>
+                <a:latin typeface="Courier New" pitchFamily="49" charset="0"/>
+                <a:cs typeface="Courier New" pitchFamily="49" charset="0"/>
+              </a:rPr>
+              <a:t>                </a:t>
+            </a:r>
+            <a:endParaRPr lang="en-US" sz="1350" dirty="0">
+              <a:solidFill>
+                <a:schemeClr val="bg1"/>
+              </a:solidFill>
+              <a:latin typeface="Courier New" pitchFamily="49" charset="0"/>
+              <a:cs typeface="Courier New" pitchFamily="49" charset="0"/>
+            </a:endParaRPr>
           </a:p>
         </p:txBody>
       </p:sp>
     </p:spTree>
     <p:extLst>
       <p:ext uri="{BB962C8B-B14F-4D97-AF65-F5344CB8AC3E}">
-        <p14:creationId xmlns:p14="http://schemas.microsoft.com/office/powerpoint/2010/main" val="2525118819"/>
+        <p14:creationId xmlns:p14="http://schemas.microsoft.com/office/powerpoint/2010/main" val="438036326"/>
       </p:ext>
     </p:extLst>
   </p:cSld>
   <p:clrMapOvr>
     <a:masterClrMapping/>
   </p:clrMapOvr>
-  <p:timing>
-    <p:tnLst>
-      <p:par>
-        <p:cTn id="1" dur="indefinite" restart="never" nodeType="tmRoot">
-          <p:childTnLst>
-            <p:seq concurrent="1" nextAc="seek">
-              <p:cTn id="2" dur="indefinite" nodeType="mainSeq">
-                <p:childTnLst>
-                  <p:par>
-                    <p:cTn id="3" fill="hold">
-                      <p:stCondLst>
-                        <p:cond delay="indefinite"/>
-                        <p:cond evt="onBegin" delay="0">
-                          <p:tn val="2"/>
-                        </p:cond>
-                      </p:stCondLst>
-                      <p:childTnLst>
-                        <p:par>
-                          <p:cTn id="4" fill="hold">
-                            <p:stCondLst>
-                              <p:cond delay="0"/>
-                            </p:stCondLst>
-                            <p:childTnLst>
-                              <p:par>
-                                <p:cTn id="5" presetID="5" presetClass="entr" presetSubtype="10" fill="hold" nodeType="afterEffect">
-                                  <p:stCondLst>
-                                    <p:cond delay="2000"/>
-                                  </p:stCondLst>
-                                  <p:childTnLst>
-                                    <p:set>
-                                      <p:cBhvr>
-                                        <p:cTn id="6" dur="1" fill="hold">
-                                          <p:stCondLst>
-                                            <p:cond delay="0"/>
-                                          </p:stCondLst>
-                                        </p:cTn>
-                                        <p:tgtEl>
-                                          <p:spTgt spid="15364"/>
-                                        </p:tgtEl>
-                                        <p:attrNameLst>
-                                          <p:attrName>style.visibility</p:attrName>
-                                        </p:attrNameLst>
-                                      </p:cBhvr>
-                                      <p:to>
-                                        <p:strVal val="visible"/>
-                                      </p:to>
-                                    </p:set>
-                                    <p:animEffect transition="in" filter="checkerboard(across)">
-                                      <p:cBhvr>
-                                        <p:cTn id="7" dur="3000"/>
-                                        <p:tgtEl>
-                                          <p:spTgt spid="15364"/>
-                                        </p:tgtEl>
-                                      </p:cBhvr>
-                                    </p:animEffect>
-                                  </p:childTnLst>
-                                  <p:subTnLst>
-                                    <p:audio>
-                                      <p:cMediaNode>
-                                        <p:cTn display="0" masterRel="sameClick">
-                                          <p:stCondLst>
-                                            <p:cond evt="begin" delay="0">
-                                              <p:tn val="5"/>
-                                            </p:cond>
-                                          </p:stCondLst>
-                                          <p:endCondLst>
-                                            <p:cond evt="onStopAudio" delay="0">
-                                              <p:tgtEl>
-                                                <p:sldTgt/>
-                                              </p:tgtEl>
-                                            </p:cond>
-                                          </p:endCondLst>
-                                        </p:cTn>
-                                        <p:tgtEl>
-                                          <p:sndTgt r:embed="rId3" name="AComesMary.WAV"/>
-                                        </p:tgtEl>
-                                      </p:cMediaNode>
-                                    </p:audio>
-                                  </p:subTnLst>
-                                </p:cTn>
-                              </p:par>
-                            </p:childTnLst>
-                          </p:cTn>
-                        </p:par>
-                        <p:par>
-                          <p:cTn id="8" fill="hold">
-                            <p:stCondLst>
-                              <p:cond delay="5000"/>
-                            </p:stCondLst>
-                            <p:childTnLst>
-                              <p:par>
-                                <p:cTn id="9" presetID="1" presetClass="entr" presetSubtype="0" fill="hold" grpId="0" nodeType="afterEffect">
-                                  <p:stCondLst>
-                                    <p:cond delay="7000"/>
-                                  </p:stCondLst>
-                                  <p:childTnLst>
-                                    <p:set>
-                                      <p:cBhvr>
-                                        <p:cTn id="10" dur="1" fill="hold">
-                                          <p:stCondLst>
-                                            <p:cond delay="0"/>
-                                          </p:stCondLst>
-                                        </p:cTn>
-                                        <p:tgtEl>
-                                          <p:spTgt spid="5"/>
-                                        </p:tgtEl>
-                                        <p:attrNameLst>
-                                          <p:attrName>style.visibility</p:attrName>
-                                        </p:attrNameLst>
-                                      </p:cBhvr>
-                                      <p:to>
-                                        <p:strVal val="visible"/>
-                                      </p:to>
-                                    </p:set>
-                                  </p:childTnLst>
-                                </p:cTn>
-                              </p:par>
-                            </p:childTnLst>
-                          </p:cTn>
-                        </p:par>
-                      </p:childTnLst>
-                    </p:cTn>
-                  </p:par>
-                </p:childTnLst>
-              </p:cTn>
-              <p:prevCondLst>
-                <p:cond evt="onPrev" delay="0">
-                  <p:tgtEl>
-                    <p:sldTgt/>
-                  </p:tgtEl>
-                </p:cond>
-              </p:prevCondLst>
-              <p:nextCondLst>
-                <p:cond evt="onNext" delay="0">
-                  <p:tgtEl>
-                    <p:sldTgt/>
-                  </p:tgtEl>
-                </p:cond>
-              </p:nextCondLst>
-            </p:seq>
-          </p:childTnLst>
-        </p:cTn>
-      </p:par>
-    </p:tnLst>
-    <p:bldLst>
-      <p:bldP spid="5" grpId="0"/>
-    </p:bldLst>
-  </p:timing>
 </p:sld>
 </file>
 
-<file path=ppt/slides/slide10.xml><?xml version="1.0" encoding="utf-8"?>
+<file path=ppt/slides/slide11.xml><?xml version="1.0" encoding="utf-8"?>
 <p:sld xmlns:a="http://schemas.openxmlformats.org/drawingml/2006/main" xmlns:r="http://schemas.openxmlformats.org/officeDocument/2006/relationships" xmlns:p="http://schemas.openxmlformats.org/presentationml/2006/main">
   <p:cSld>
     <p:spTree>
@@ -5054,7 +5091,7 @@
 </p:sld>
 </file>
 
-<file path=ppt/slides/slide11.xml><?xml version="1.0" encoding="utf-8"?>
+<file path=ppt/slides/slide12.xml><?xml version="1.0" encoding="utf-8"?>
 <p:sld xmlns:a="http://schemas.openxmlformats.org/drawingml/2006/main" xmlns:r="http://schemas.openxmlformats.org/officeDocument/2006/relationships" xmlns:p="http://schemas.openxmlformats.org/presentationml/2006/main">
   <p:cSld>
     <p:spTree>
@@ -6308,7 +6345,7 @@
 </p:sld>
 </file>
 
-<file path=ppt/slides/slide12.xml><?xml version="1.0" encoding="utf-8"?>
+<file path=ppt/slides/slide13.xml><?xml version="1.0" encoding="utf-8"?>
 <p:sld xmlns:a="http://schemas.openxmlformats.org/drawingml/2006/main" xmlns:r="http://schemas.openxmlformats.org/officeDocument/2006/relationships" xmlns:p="http://schemas.openxmlformats.org/presentationml/2006/main">
   <p:cSld>
     <p:spTree>
@@ -6423,7 +6460,7 @@
 </p:sld>
 </file>
 
-<file path=ppt/slides/slide13.xml><?xml version="1.0" encoding="utf-8"?>
+<file path=ppt/slides/slide14.xml><?xml version="1.0" encoding="utf-8"?>
 <p:sld xmlns:a="http://schemas.openxmlformats.org/drawingml/2006/main" xmlns:r="http://schemas.openxmlformats.org/officeDocument/2006/relationships" xmlns:p="http://schemas.openxmlformats.org/presentationml/2006/main" showMasterPhAnim="0">
   <p:cSld>
     <p:spTree>
@@ -7175,7 +7212,7 @@
 </p:sld>
 </file>
 
-<file path=ppt/slides/slide14.xml><?xml version="1.0" encoding="utf-8"?>
+<file path=ppt/slides/slide15.xml><?xml version="1.0" encoding="utf-8"?>
 <p:sld xmlns:a="http://schemas.openxmlformats.org/drawingml/2006/main" xmlns:r="http://schemas.openxmlformats.org/officeDocument/2006/relationships" xmlns:p="http://schemas.openxmlformats.org/presentationml/2006/main" showMasterPhAnim="0">
   <p:cSld>
     <p:spTree>
@@ -7880,7 +7917,7 @@
 </p:sld>
 </file>
 
-<file path=ppt/slides/slide15.xml><?xml version="1.0" encoding="utf-8"?>
+<file path=ppt/slides/slide16.xml><?xml version="1.0" encoding="utf-8"?>
 <p:sld xmlns:a="http://schemas.openxmlformats.org/drawingml/2006/main" xmlns:r="http://schemas.openxmlformats.org/officeDocument/2006/relationships" xmlns:p="http://schemas.openxmlformats.org/presentationml/2006/main">
   <p:cSld>
     <p:spTree>
@@ -8205,7 +8242,7 @@
 </p:sld>
 </file>
 
-<file path=ppt/slides/slide16.xml><?xml version="1.0" encoding="utf-8"?>
+<file path=ppt/slides/slide17.xml><?xml version="1.0" encoding="utf-8"?>
 <p:sld xmlns:a="http://schemas.openxmlformats.org/drawingml/2006/main" xmlns:r="http://schemas.openxmlformats.org/officeDocument/2006/relationships" xmlns:p="http://schemas.openxmlformats.org/presentationml/2006/main">
   <p:cSld>
     <p:spTree>
@@ -8953,7 +8990,7 @@
 </p:sld>
 </file>
 
-<file path=ppt/slides/slide17.xml><?xml version="1.0" encoding="utf-8"?>
+<file path=ppt/slides/slide18.xml><?xml version="1.0" encoding="utf-8"?>
 <p:sld xmlns:a="http://schemas.openxmlformats.org/drawingml/2006/main" xmlns:r="http://schemas.openxmlformats.org/officeDocument/2006/relationships" xmlns:p="http://schemas.openxmlformats.org/presentationml/2006/main">
   <p:cSld>
     <p:spTree>
@@ -10229,7 +10266,7 @@
 </p:sld>
 </file>
 
-<file path=ppt/slides/slide18.xml><?xml version="1.0" encoding="utf-8"?>
+<file path=ppt/slides/slide19.xml><?xml version="1.0" encoding="utf-8"?>
 <p:sld xmlns:a="http://schemas.openxmlformats.org/drawingml/2006/main" xmlns:r="http://schemas.openxmlformats.org/officeDocument/2006/relationships" xmlns:p="http://schemas.openxmlformats.org/presentationml/2006/main">
   <p:cSld>
     <p:spTree>
@@ -10406,7 +10443,67 @@
 </p:sld>
 </file>
 
-<file path=ppt/slides/slide19.xml><?xml version="1.0" encoding="utf-8"?>
+<file path=ppt/slides/slide2.xml><?xml version="1.0" encoding="utf-8"?>
+<p:sld xmlns:a="http://schemas.openxmlformats.org/drawingml/2006/main" xmlns:r="http://schemas.openxmlformats.org/officeDocument/2006/relationships" xmlns:p="http://schemas.openxmlformats.org/presentationml/2006/main">
+  <p:cSld>
+    <p:spTree>
+      <p:nvGrpSpPr>
+        <p:cNvPr id="1" name=""/>
+        <p:cNvGrpSpPr/>
+        <p:nvPr/>
+      </p:nvGrpSpPr>
+      <p:grpSpPr>
+        <a:xfrm>
+          <a:off x="0" y="0"/>
+          <a:ext cx="0" cy="0"/>
+          <a:chOff x="0" y="0"/>
+          <a:chExt cx="0" cy="0"/>
+        </a:xfrm>
+      </p:grpSpPr>
+      <p:pic>
+        <p:nvPicPr>
+          <p:cNvPr id="5" name="Picture 4">
+            <a:extLst>
+              <a:ext uri="{FF2B5EF4-FFF2-40B4-BE49-F238E27FC236}">
+                <a16:creationId xmlns:a16="http://schemas.microsoft.com/office/drawing/2014/main" id="{8F4F4E31-6148-41C9-88C3-A8CFE69A1170}"/>
+              </a:ext>
+            </a:extLst>
+          </p:cNvPr>
+          <p:cNvPicPr>
+            <a:picLocks noChangeAspect="1"/>
+          </p:cNvPicPr>
+          <p:nvPr/>
+        </p:nvPicPr>
+        <p:blipFill>
+          <a:blip r:embed="rId2"/>
+          <a:stretch>
+            <a:fillRect/>
+          </a:stretch>
+        </p:blipFill>
+        <p:spPr>
+          <a:xfrm>
+            <a:off x="249630" y="1600200"/>
+            <a:ext cx="11692740" cy="3352800"/>
+          </a:xfrm>
+          <a:prstGeom prst="rect">
+            <a:avLst/>
+          </a:prstGeom>
+        </p:spPr>
+      </p:pic>
+    </p:spTree>
+    <p:extLst>
+      <p:ext uri="{BB962C8B-B14F-4D97-AF65-F5344CB8AC3E}">
+        <p14:creationId xmlns:p14="http://schemas.microsoft.com/office/powerpoint/2010/main" val="508143840"/>
+      </p:ext>
+    </p:extLst>
+  </p:cSld>
+  <p:clrMapOvr>
+    <a:masterClrMapping/>
+  </p:clrMapOvr>
+</p:sld>
+</file>
+
+<file path=ppt/slides/slide20.xml><?xml version="1.0" encoding="utf-8"?>
 <p:sld xmlns:a="http://schemas.openxmlformats.org/drawingml/2006/main" xmlns:r="http://schemas.openxmlformats.org/officeDocument/2006/relationships" xmlns:p="http://schemas.openxmlformats.org/presentationml/2006/main">
   <p:cSld>
     <p:spTree>
@@ -10498,161 +10595,7 @@
 </p:sld>
 </file>
 
-<file path=ppt/slides/slide2.xml><?xml version="1.0" encoding="utf-8"?>
-<p:sld xmlns:a="http://schemas.openxmlformats.org/drawingml/2006/main" xmlns:r="http://schemas.openxmlformats.org/officeDocument/2006/relationships" xmlns:p="http://schemas.openxmlformats.org/presentationml/2006/main">
-  <p:cSld>
-    <p:spTree>
-      <p:nvGrpSpPr>
-        <p:cNvPr id="1" name=""/>
-        <p:cNvGrpSpPr/>
-        <p:nvPr/>
-      </p:nvGrpSpPr>
-      <p:grpSpPr>
-        <a:xfrm>
-          <a:off x="0" y="0"/>
-          <a:ext cx="0" cy="0"/>
-          <a:chOff x="0" y="0"/>
-          <a:chExt cx="0" cy="0"/>
-        </a:xfrm>
-      </p:grpSpPr>
-      <p:sp>
-        <p:nvSpPr>
-          <p:cNvPr id="82946" name="Rectangle 2"/>
-          <p:cNvSpPr>
-            <a:spLocks noGrp="1" noChangeArrowheads="1"/>
-          </p:cNvSpPr>
-          <p:nvPr>
-            <p:ph type="ctrTitle"/>
-          </p:nvPr>
-        </p:nvSpPr>
-        <p:spPr>
-          <a:xfrm>
-            <a:off x="2209800" y="0"/>
-            <a:ext cx="7772400" cy="1143000"/>
-          </a:xfrm>
-        </p:spPr>
-        <p:txBody>
-          <a:bodyPr/>
-          <a:lstStyle/>
-          <a:p>
-            <a:r>
-              <a:rPr lang="en-US" dirty="0"/>
-              <a:t>CSSE 304   Day 19</a:t>
-            </a:r>
-          </a:p>
-        </p:txBody>
-      </p:sp>
-      <p:sp>
-        <p:nvSpPr>
-          <p:cNvPr id="82947" name="Rectangle 3"/>
-          <p:cNvSpPr>
-            <a:spLocks noGrp="1" noChangeArrowheads="1"/>
-          </p:cNvSpPr>
-          <p:nvPr>
-            <p:ph type="subTitle" idx="1"/>
-          </p:nvPr>
-        </p:nvSpPr>
-        <p:spPr>
-          <a:xfrm>
-            <a:off x="1828800" y="1828800"/>
-            <a:ext cx="8686800" cy="2133600"/>
-          </a:xfrm>
-        </p:spPr>
-        <p:txBody>
-          <a:bodyPr/>
-          <a:lstStyle/>
-          <a:p>
-            <a:pPr>
-              <a:lnSpc>
-                <a:spcPct val="80000"/>
-              </a:lnSpc>
-            </a:pPr>
-            <a:r>
-              <a:rPr lang="en-US" sz="3600" dirty="0"/>
-              <a:t>Environment ADT</a:t>
-            </a:r>
-          </a:p>
-          <a:p>
-            <a:pPr>
-              <a:lnSpc>
-                <a:spcPct val="80000"/>
-              </a:lnSpc>
-            </a:pPr>
-            <a:r>
-              <a:rPr lang="en-US" sz="3600" dirty="0"/>
-              <a:t>Environment Representations</a:t>
-            </a:r>
-          </a:p>
-          <a:p>
-            <a:pPr>
-              <a:lnSpc>
-                <a:spcPct val="80000"/>
-              </a:lnSpc>
-            </a:pPr>
-            <a:r>
-              <a:rPr lang="en-US" sz="3600" dirty="0"/>
-              <a:t>Begin the Interpreter Project Intro</a:t>
-            </a:r>
-          </a:p>
-          <a:p>
-            <a:pPr>
-              <a:lnSpc>
-                <a:spcPct val="80000"/>
-              </a:lnSpc>
-            </a:pPr>
-            <a:endParaRPr lang="en-US" sz="3600" dirty="0"/>
-          </a:p>
-          <a:p>
-            <a:pPr>
-              <a:lnSpc>
-                <a:spcPct val="80000"/>
-              </a:lnSpc>
-            </a:pPr>
-            <a:endParaRPr lang="en-US" sz="3600" dirty="0"/>
-          </a:p>
-          <a:p>
-            <a:pPr>
-              <a:lnSpc>
-                <a:spcPct val="80000"/>
-              </a:lnSpc>
-            </a:pPr>
-            <a:endParaRPr lang="en-US" sz="3600" dirty="0"/>
-          </a:p>
-          <a:p>
-            <a:pPr>
-              <a:lnSpc>
-                <a:spcPct val="80000"/>
-              </a:lnSpc>
-            </a:pPr>
-            <a:endParaRPr lang="en-US" sz="3600" dirty="0"/>
-          </a:p>
-          <a:p>
-            <a:pPr>
-              <a:lnSpc>
-                <a:spcPct val="80000"/>
-              </a:lnSpc>
-            </a:pPr>
-            <a:endParaRPr lang="en-US" sz="3600" dirty="0"/>
-          </a:p>
-          <a:p>
-            <a:pPr>
-              <a:lnSpc>
-                <a:spcPct val="80000"/>
-              </a:lnSpc>
-            </a:pPr>
-            <a:endParaRPr lang="en-US" sz="3600" dirty="0"/>
-          </a:p>
-        </p:txBody>
-      </p:sp>
-    </p:spTree>
-  </p:cSld>
-  <p:clrMapOvr>
-    <a:masterClrMapping/>
-  </p:clrMapOvr>
-</p:sld>
-</file>
-
-<file path=ppt/slides/slide20.xml><?xml version="1.0" encoding="utf-8"?>
+<file path=ppt/slides/slide21.xml><?xml version="1.0" encoding="utf-8"?>
 <p:sld xmlns:a="http://schemas.openxmlformats.org/drawingml/2006/main" xmlns:r="http://schemas.openxmlformats.org/officeDocument/2006/relationships" xmlns:p="http://schemas.openxmlformats.org/presentationml/2006/main">
   <p:cSld>
     <p:spTree>
@@ -10948,528 +10891,6 @@
     <p:extLst>
       <p:ext uri="{BB962C8B-B14F-4D97-AF65-F5344CB8AC3E}">
         <p14:creationId xmlns:p14="http://schemas.microsoft.com/office/powerpoint/2010/main" val="682544788"/>
-      </p:ext>
-    </p:extLst>
-  </p:cSld>
-  <p:clrMapOvr>
-    <a:masterClrMapping/>
-  </p:clrMapOvr>
-</p:sld>
-</file>
-
-<file path=ppt/slides/slide21.xml><?xml version="1.0" encoding="utf-8"?>
-<p:sld xmlns:a="http://schemas.openxmlformats.org/drawingml/2006/main" xmlns:r="http://schemas.openxmlformats.org/officeDocument/2006/relationships" xmlns:p="http://schemas.openxmlformats.org/presentationml/2006/main">
-  <p:cSld>
-    <p:spTree>
-      <p:nvGrpSpPr>
-        <p:cNvPr id="1" name=""/>
-        <p:cNvGrpSpPr/>
-        <p:nvPr/>
-      </p:nvGrpSpPr>
-      <p:grpSpPr>
-        <a:xfrm>
-          <a:off x="0" y="0"/>
-          <a:ext cx="0" cy="0"/>
-          <a:chOff x="0" y="0"/>
-          <a:chExt cx="0" cy="0"/>
-        </a:xfrm>
-      </p:grpSpPr>
-      <p:sp>
-        <p:nvSpPr>
-          <p:cNvPr id="63490" name="Rectangle 2"/>
-          <p:cNvSpPr>
-            <a:spLocks noGrp="1" noChangeArrowheads="1"/>
-          </p:cNvSpPr>
-          <p:nvPr>
-            <p:ph type="title"/>
-          </p:nvPr>
-        </p:nvSpPr>
-        <p:spPr>
-          <a:xfrm>
-            <a:off x="2209800" y="609600"/>
-            <a:ext cx="7924800" cy="1143000"/>
-          </a:xfrm>
-        </p:spPr>
-        <p:txBody>
-          <a:bodyPr/>
-          <a:lstStyle/>
-          <a:p>
-            <a:r>
-              <a:rPr lang="en-US" dirty="0"/>
-              <a:t>Implementing the ribcage (slide 2)</a:t>
-            </a:r>
-          </a:p>
-        </p:txBody>
-      </p:sp>
-      <p:sp>
-        <p:nvSpPr>
-          <p:cNvPr id="63491" name="Rectangle 3"/>
-          <p:cNvSpPr>
-            <a:spLocks noGrp="1" noChangeArrowheads="1"/>
-          </p:cNvSpPr>
-          <p:nvPr>
-            <p:ph type="body" idx="1"/>
-          </p:nvPr>
-        </p:nvSpPr>
-        <p:spPr>
-          <a:xfrm>
-            <a:off x="1524000" y="2209800"/>
-            <a:ext cx="9372600" cy="4572000"/>
-          </a:xfrm>
-        </p:spPr>
-        <p:txBody>
-          <a:bodyPr/>
-          <a:lstStyle/>
-          <a:p>
-            <a:pPr>
-              <a:spcBef>
-                <a:spcPct val="0"/>
-              </a:spcBef>
-              <a:buFontTx/>
-              <a:buNone/>
-            </a:pPr>
-            <a:r>
-              <a:rPr lang="en-US" sz="2400" b="1" dirty="0">
-                <a:latin typeface="Courier New" pitchFamily="49" charset="0"/>
-              </a:rPr>
-              <a:t>(define apply-</a:t>
-            </a:r>
-            <a:r>
-              <a:rPr lang="en-US" sz="2400" b="1" dirty="0" err="1">
-                <a:latin typeface="Courier New" pitchFamily="49" charset="0"/>
-              </a:rPr>
-              <a:t>env</a:t>
-            </a:r>
-            <a:endParaRPr lang="en-US" sz="2400" b="1" dirty="0">
-              <a:latin typeface="Courier New" pitchFamily="49" charset="0"/>
-            </a:endParaRPr>
-          </a:p>
-          <a:p>
-            <a:pPr>
-              <a:spcBef>
-                <a:spcPct val="0"/>
-              </a:spcBef>
-              <a:buFontTx/>
-              <a:buNone/>
-            </a:pPr>
-            <a:r>
-              <a:rPr lang="en-US" sz="2400" b="1" dirty="0">
-                <a:latin typeface="Courier New" pitchFamily="49" charset="0"/>
-              </a:rPr>
-              <a:t>  (lambda (</a:t>
-            </a:r>
-            <a:r>
-              <a:rPr lang="en-US" sz="2400" b="1" dirty="0" err="1">
-                <a:latin typeface="Courier New" pitchFamily="49" charset="0"/>
-              </a:rPr>
-              <a:t>env</a:t>
-            </a:r>
-            <a:r>
-              <a:rPr lang="en-US" sz="2400" b="1" dirty="0">
-                <a:latin typeface="Courier New" pitchFamily="49" charset="0"/>
-              </a:rPr>
-              <a:t> </a:t>
-            </a:r>
-            <a:r>
-              <a:rPr lang="en-US" sz="2400" b="1" dirty="0" err="1">
-                <a:latin typeface="Courier New" pitchFamily="49" charset="0"/>
-              </a:rPr>
-              <a:t>sym</a:t>
-            </a:r>
-            <a:r>
-              <a:rPr lang="en-US" sz="2400" b="1" dirty="0">
-                <a:latin typeface="Courier New" pitchFamily="49" charset="0"/>
-              </a:rPr>
-              <a:t>)</a:t>
-            </a:r>
-          </a:p>
-          <a:p>
-            <a:pPr>
-              <a:spcBef>
-                <a:spcPct val="0"/>
-              </a:spcBef>
-              <a:buFontTx/>
-              <a:buNone/>
-            </a:pPr>
-            <a:r>
-              <a:rPr lang="en-US" sz="2400" b="1" dirty="0">
-                <a:latin typeface="Courier New" pitchFamily="49" charset="0"/>
-              </a:rPr>
-              <a:t>    (if (null? </a:t>
-            </a:r>
-            <a:r>
-              <a:rPr lang="en-US" sz="2400" b="1" dirty="0" err="1">
-                <a:latin typeface="Courier New" pitchFamily="49" charset="0"/>
-              </a:rPr>
-              <a:t>env</a:t>
-            </a:r>
-            <a:r>
-              <a:rPr lang="en-US" sz="2400" b="1" dirty="0">
-                <a:latin typeface="Courier New" pitchFamily="49" charset="0"/>
-              </a:rPr>
-              <a:t>)</a:t>
-            </a:r>
-          </a:p>
-          <a:p>
-            <a:pPr>
-              <a:spcBef>
-                <a:spcPct val="0"/>
-              </a:spcBef>
-              <a:buFontTx/>
-              <a:buNone/>
-            </a:pPr>
-            <a:r>
-              <a:rPr lang="en-US" sz="2400" b="1" dirty="0">
-                <a:latin typeface="Courier New" pitchFamily="49" charset="0"/>
-              </a:rPr>
-              <a:t>      (error 'apply-</a:t>
-            </a:r>
-            <a:r>
-              <a:rPr lang="en-US" sz="2400" b="1" dirty="0" err="1">
-                <a:latin typeface="Courier New" pitchFamily="49" charset="0"/>
-              </a:rPr>
-              <a:t>env</a:t>
-            </a:r>
-            <a:r>
-              <a:rPr lang="en-US" sz="2400" b="1" dirty="0">
-                <a:latin typeface="Courier New" pitchFamily="49" charset="0"/>
-              </a:rPr>
-              <a:t> "No binding for ~s" </a:t>
-            </a:r>
-            <a:r>
-              <a:rPr lang="en-US" sz="2400" b="1" dirty="0" err="1">
-                <a:latin typeface="Courier New" pitchFamily="49" charset="0"/>
-              </a:rPr>
-              <a:t>sym</a:t>
-            </a:r>
-            <a:r>
-              <a:rPr lang="en-US" sz="2400" b="1" dirty="0">
-                <a:latin typeface="Courier New" pitchFamily="49" charset="0"/>
-              </a:rPr>
-              <a:t>)</a:t>
-            </a:r>
-          </a:p>
-          <a:p>
-            <a:pPr>
-              <a:spcBef>
-                <a:spcPct val="0"/>
-              </a:spcBef>
-              <a:buFontTx/>
-              <a:buNone/>
-            </a:pPr>
-            <a:r>
-              <a:rPr lang="en-US" sz="2400" b="1" dirty="0">
-                <a:latin typeface="Courier New" pitchFamily="49" charset="0"/>
-              </a:rPr>
-              <a:t>      (let ((</a:t>
-            </a:r>
-            <a:r>
-              <a:rPr lang="en-US" sz="2400" b="1" dirty="0" err="1">
-                <a:latin typeface="Courier New" pitchFamily="49" charset="0"/>
-              </a:rPr>
-              <a:t>syms</a:t>
-            </a:r>
-            <a:r>
-              <a:rPr lang="en-US" sz="2400" b="1" dirty="0">
-                <a:latin typeface="Courier New" pitchFamily="49" charset="0"/>
-              </a:rPr>
-              <a:t> (car (car </a:t>
-            </a:r>
-            <a:r>
-              <a:rPr lang="en-US" sz="2400" b="1" dirty="0" err="1">
-                <a:latin typeface="Courier New" pitchFamily="49" charset="0"/>
-              </a:rPr>
-              <a:t>env</a:t>
-            </a:r>
-            <a:r>
-              <a:rPr lang="en-US" sz="2400" b="1" dirty="0">
-                <a:latin typeface="Courier New" pitchFamily="49" charset="0"/>
-              </a:rPr>
-              <a:t>)))</a:t>
-            </a:r>
-          </a:p>
-          <a:p>
-            <a:pPr>
-              <a:spcBef>
-                <a:spcPct val="0"/>
-              </a:spcBef>
-              <a:buFontTx/>
-              <a:buNone/>
-            </a:pPr>
-            <a:r>
-              <a:rPr lang="en-US" sz="2400" b="1" dirty="0">
-                <a:latin typeface="Courier New" pitchFamily="49" charset="0"/>
-              </a:rPr>
-              <a:t>            (</a:t>
-            </a:r>
-            <a:r>
-              <a:rPr lang="en-US" sz="2400" b="1" dirty="0" err="1">
-                <a:latin typeface="Courier New" pitchFamily="49" charset="0"/>
-              </a:rPr>
-              <a:t>vals</a:t>
-            </a:r>
-            <a:r>
-              <a:rPr lang="en-US" sz="2400" b="1" dirty="0">
-                <a:latin typeface="Courier New" pitchFamily="49" charset="0"/>
-              </a:rPr>
-              <a:t> (</a:t>
-            </a:r>
-            <a:r>
-              <a:rPr lang="en-US" sz="2400" b="1" dirty="0">
-                <a:solidFill>
-                  <a:srgbClr val="00FF00"/>
-                </a:solidFill>
-                <a:latin typeface="Courier New" pitchFamily="49" charset="0"/>
-              </a:rPr>
-              <a:t>cdr</a:t>
-            </a:r>
-            <a:r>
-              <a:rPr lang="en-US" sz="2400" b="1" dirty="0">
-                <a:latin typeface="Courier New" pitchFamily="49" charset="0"/>
-              </a:rPr>
-              <a:t> (car </a:t>
-            </a:r>
-            <a:r>
-              <a:rPr lang="en-US" sz="2400" b="1" dirty="0" err="1">
-                <a:latin typeface="Courier New" pitchFamily="49" charset="0"/>
-              </a:rPr>
-              <a:t>env</a:t>
-            </a:r>
-            <a:r>
-              <a:rPr lang="en-US" sz="2400" b="1" dirty="0">
-                <a:latin typeface="Courier New" pitchFamily="49" charset="0"/>
-              </a:rPr>
-              <a:t>)))</a:t>
-            </a:r>
-          </a:p>
-          <a:p>
-            <a:pPr>
-              <a:spcBef>
-                <a:spcPct val="0"/>
-              </a:spcBef>
-              <a:buFontTx/>
-              <a:buNone/>
-            </a:pPr>
-            <a:r>
-              <a:rPr lang="en-US" sz="2400" b="1" dirty="0">
-                <a:latin typeface="Courier New" pitchFamily="49" charset="0"/>
-              </a:rPr>
-              <a:t>            (</a:t>
-            </a:r>
-            <a:r>
-              <a:rPr lang="en-US" sz="2400" b="1" dirty="0" err="1">
-                <a:latin typeface="Courier New" pitchFamily="49" charset="0"/>
-              </a:rPr>
-              <a:t>env</a:t>
-            </a:r>
-            <a:r>
-              <a:rPr lang="en-US" sz="2400" b="1" dirty="0">
-                <a:latin typeface="Courier New" pitchFamily="49" charset="0"/>
-              </a:rPr>
-              <a:t> (cdr </a:t>
-            </a:r>
-            <a:r>
-              <a:rPr lang="en-US" sz="2400" b="1" dirty="0" err="1">
-                <a:latin typeface="Courier New" pitchFamily="49" charset="0"/>
-              </a:rPr>
-              <a:t>env</a:t>
-            </a:r>
-            <a:r>
-              <a:rPr lang="en-US" sz="2400" b="1" dirty="0">
-                <a:latin typeface="Courier New" pitchFamily="49" charset="0"/>
-              </a:rPr>
-              <a:t>)))</a:t>
-            </a:r>
-          </a:p>
-          <a:p>
-            <a:pPr>
-              <a:spcBef>
-                <a:spcPct val="0"/>
-              </a:spcBef>
-              <a:buFontTx/>
-              <a:buNone/>
-            </a:pPr>
-            <a:r>
-              <a:rPr lang="en-US" sz="2400" b="1" dirty="0">
-                <a:latin typeface="Courier New" pitchFamily="49" charset="0"/>
-              </a:rPr>
-              <a:t>        (let ([</a:t>
-            </a:r>
-            <a:r>
-              <a:rPr lang="en-US" sz="2400" b="1" dirty="0" err="1">
-                <a:latin typeface="Courier New" pitchFamily="49" charset="0"/>
-              </a:rPr>
-              <a:t>pos</a:t>
-            </a:r>
-            <a:r>
-              <a:rPr lang="en-US" sz="2400" b="1" dirty="0">
-                <a:latin typeface="Courier New" pitchFamily="49" charset="0"/>
-              </a:rPr>
-              <a:t> (rib-find-position </a:t>
-            </a:r>
-            <a:r>
-              <a:rPr lang="en-US" sz="2400" b="1" dirty="0" err="1">
-                <a:latin typeface="Courier New" pitchFamily="49" charset="0"/>
-              </a:rPr>
-              <a:t>sym</a:t>
-            </a:r>
-            <a:r>
-              <a:rPr lang="en-US" sz="2400" b="1" dirty="0">
-                <a:latin typeface="Courier New" pitchFamily="49" charset="0"/>
-              </a:rPr>
-              <a:t> </a:t>
-            </a:r>
-            <a:r>
-              <a:rPr lang="en-US" sz="2400" b="1" dirty="0" err="1">
-                <a:latin typeface="Courier New" pitchFamily="49" charset="0"/>
-              </a:rPr>
-              <a:t>syms</a:t>
-            </a:r>
-            <a:r>
-              <a:rPr lang="en-US" sz="2400" b="1" dirty="0">
-                <a:latin typeface="Courier New" pitchFamily="49" charset="0"/>
-              </a:rPr>
-              <a:t>)])</a:t>
-            </a:r>
-          </a:p>
-          <a:p>
-            <a:pPr>
-              <a:spcBef>
-                <a:spcPct val="0"/>
-              </a:spcBef>
-              <a:buFontTx/>
-              <a:buNone/>
-            </a:pPr>
-            <a:r>
-              <a:rPr lang="en-US" sz="2400" b="1" dirty="0">
-                <a:latin typeface="Courier New" pitchFamily="49" charset="0"/>
-              </a:rPr>
-              <a:t>          (if (number? </a:t>
-            </a:r>
-            <a:r>
-              <a:rPr lang="en-US" sz="2400" b="1" dirty="0" err="1">
-                <a:latin typeface="Courier New" pitchFamily="49" charset="0"/>
-              </a:rPr>
-              <a:t>pos</a:t>
-            </a:r>
-            <a:r>
-              <a:rPr lang="en-US" sz="2400" b="1" dirty="0">
-                <a:latin typeface="Courier New" pitchFamily="49" charset="0"/>
-              </a:rPr>
-              <a:t>)</a:t>
-            </a:r>
-          </a:p>
-          <a:p>
-            <a:pPr>
-              <a:spcBef>
-                <a:spcPct val="0"/>
-              </a:spcBef>
-              <a:buFontTx/>
-              <a:buNone/>
-            </a:pPr>
-            <a:r>
-              <a:rPr lang="en-US" sz="2400" b="1" dirty="0">
-                <a:latin typeface="Courier New" pitchFamily="49" charset="0"/>
-              </a:rPr>
-              <a:t>              (</a:t>
-            </a:r>
-            <a:r>
-              <a:rPr lang="en-US" sz="2400" b="1" dirty="0">
-                <a:solidFill>
-                  <a:srgbClr val="00FF00"/>
-                </a:solidFill>
-                <a:latin typeface="Courier New" pitchFamily="49" charset="0"/>
-              </a:rPr>
-              <a:t>vector-ref</a:t>
-            </a:r>
-            <a:r>
-              <a:rPr lang="en-US" sz="2400" b="1" dirty="0">
-                <a:latin typeface="Courier New" pitchFamily="49" charset="0"/>
-              </a:rPr>
-              <a:t> </a:t>
-            </a:r>
-            <a:r>
-              <a:rPr lang="en-US" sz="2400" b="1" dirty="0" err="1">
-                <a:latin typeface="Courier New" pitchFamily="49" charset="0"/>
-              </a:rPr>
-              <a:t>vals</a:t>
-            </a:r>
-            <a:r>
-              <a:rPr lang="en-US" sz="2400" b="1" dirty="0">
-                <a:latin typeface="Courier New" pitchFamily="49" charset="0"/>
-              </a:rPr>
-              <a:t> </a:t>
-            </a:r>
-            <a:r>
-              <a:rPr lang="en-US" sz="2400" b="1" dirty="0" err="1">
-                <a:latin typeface="Courier New" pitchFamily="49" charset="0"/>
-              </a:rPr>
-              <a:t>pos</a:t>
-            </a:r>
-            <a:r>
-              <a:rPr lang="en-US" sz="2400" b="1" dirty="0">
-                <a:latin typeface="Courier New" pitchFamily="49" charset="0"/>
-              </a:rPr>
-              <a:t>) </a:t>
-            </a:r>
-          </a:p>
-          <a:p>
-            <a:pPr>
-              <a:spcBef>
-                <a:spcPct val="0"/>
-              </a:spcBef>
-              <a:buFontTx/>
-              <a:buNone/>
-            </a:pPr>
-            <a:r>
-              <a:rPr lang="en-US" sz="2400" b="1" dirty="0">
-                <a:latin typeface="Courier New" pitchFamily="49" charset="0"/>
-              </a:rPr>
-              <a:t>              (apply-</a:t>
-            </a:r>
-            <a:r>
-              <a:rPr lang="en-US" sz="2400" b="1" dirty="0" err="1">
-                <a:latin typeface="Courier New" pitchFamily="49" charset="0"/>
-              </a:rPr>
-              <a:t>env</a:t>
-            </a:r>
-            <a:r>
-              <a:rPr lang="en-US" sz="2400" b="1" dirty="0">
-                <a:latin typeface="Courier New" pitchFamily="49" charset="0"/>
-              </a:rPr>
-              <a:t> </a:t>
-            </a:r>
-            <a:r>
-              <a:rPr lang="en-US" sz="2400" b="1" dirty="0" err="1">
-                <a:latin typeface="Courier New" pitchFamily="49" charset="0"/>
-              </a:rPr>
-              <a:t>env</a:t>
-            </a:r>
-            <a:r>
-              <a:rPr lang="en-US" sz="2400" b="1" dirty="0">
-                <a:latin typeface="Courier New" pitchFamily="49" charset="0"/>
-              </a:rPr>
-              <a:t> </a:t>
-            </a:r>
-            <a:r>
-              <a:rPr lang="en-US" sz="2400" b="1" dirty="0" err="1">
-                <a:latin typeface="Courier New" pitchFamily="49" charset="0"/>
-              </a:rPr>
-              <a:t>sym</a:t>
-            </a:r>
-            <a:r>
-              <a:rPr lang="en-US" sz="2400" b="1" dirty="0">
-                <a:latin typeface="Courier New" pitchFamily="49" charset="0"/>
-              </a:rPr>
-              <a:t>)))))))</a:t>
-            </a:r>
-          </a:p>
-        </p:txBody>
-      </p:sp>
-    </p:spTree>
-    <p:extLst>
-      <p:ext uri="{BB962C8B-B14F-4D97-AF65-F5344CB8AC3E}">
-        <p14:creationId xmlns:p14="http://schemas.microsoft.com/office/powerpoint/2010/main" val="2420179157"/>
       </p:ext>
     </p:extLst>
   </p:cSld>
@@ -11518,7 +10939,7 @@
           <a:p>
             <a:r>
               <a:rPr lang="en-US" dirty="0"/>
-              <a:t>Compare with “List of lists” implementation</a:t>
+              <a:t>Implementing the ribcage (slide 2)</a:t>
             </a:r>
           </a:p>
         </p:txBody>
@@ -11743,13 +11164,25 @@
                 </a:solidFill>
                 <a:latin typeface="Courier New" pitchFamily="49" charset="0"/>
               </a:rPr>
-              <a:t>cadr</a:t>
+              <a:t>cdr</a:t>
             </a:r>
             <a:r>
               <a:rPr lang="en-US" sz="2400" b="1" dirty="0">
                 <a:latin typeface="Courier New" pitchFamily="49" charset="0"/>
               </a:rPr>
-              <a:t> (car env)))</a:t>
+              <a:t> (car </a:t>
+            </a:r>
+            <a:r>
+              <a:rPr lang="en-US" sz="2400" b="1" dirty="0" err="1">
+                <a:latin typeface="Courier New" pitchFamily="49" charset="0"/>
+              </a:rPr>
+              <a:t>env</a:t>
+            </a:r>
+            <a:r>
+              <a:rPr lang="en-US" sz="2400" b="1" dirty="0">
+                <a:latin typeface="Courier New" pitchFamily="49" charset="0"/>
+              </a:rPr>
+              <a:t>)))</a:t>
             </a:r>
           </a:p>
           <a:p>
@@ -11890,7 +11323,7 @@
                 </a:solidFill>
                 <a:latin typeface="Courier New" pitchFamily="49" charset="0"/>
               </a:rPr>
-              <a:t>list-ref</a:t>
+              <a:t>vector-ref</a:t>
             </a:r>
             <a:r>
               <a:rPr lang="en-US" sz="2400" b="1" dirty="0">
@@ -11908,7 +11341,19 @@
               <a:rPr lang="en-US" sz="2400" b="1" dirty="0">
                 <a:latin typeface="Courier New" pitchFamily="49" charset="0"/>
               </a:rPr>
-              <a:t> pos) </a:t>
+              <a:t> </a:t>
+            </a:r>
+            <a:r>
+              <a:rPr lang="en-US" sz="2400" b="1" dirty="0" err="1">
+                <a:latin typeface="Courier New" pitchFamily="49" charset="0"/>
+              </a:rPr>
+              <a:t>pos</a:t>
+            </a:r>
+            <a:r>
+              <a:rPr lang="en-US" sz="2400" b="1" dirty="0">
+                <a:latin typeface="Courier New" pitchFamily="49" charset="0"/>
+              </a:rPr>
+              <a:t>) </a:t>
             </a:r>
           </a:p>
           <a:p>
@@ -11967,7 +11412,7 @@
     </p:spTree>
     <p:extLst>
       <p:ext uri="{BB962C8B-B14F-4D97-AF65-F5344CB8AC3E}">
-        <p14:creationId xmlns:p14="http://schemas.microsoft.com/office/powerpoint/2010/main" val="1557834649"/>
+        <p14:creationId xmlns:p14="http://schemas.microsoft.com/office/powerpoint/2010/main" val="2420179157"/>
       </p:ext>
     </p:extLst>
   </p:cSld>
@@ -11978,7 +11423,7 @@
 </file>
 
 <file path=ppt/slides/slide23.xml><?xml version="1.0" encoding="utf-8"?>
-<p:sld xmlns:a="http://schemas.openxmlformats.org/drawingml/2006/main" xmlns:r="http://schemas.openxmlformats.org/officeDocument/2006/relationships" xmlns:p="http://schemas.openxmlformats.org/presentationml/2006/main" show="0">
+<p:sld xmlns:a="http://schemas.openxmlformats.org/drawingml/2006/main" xmlns:r="http://schemas.openxmlformats.org/officeDocument/2006/relationships" xmlns:p="http://schemas.openxmlformats.org/presentationml/2006/main">
   <p:cSld>
     <p:spTree>
       <p:nvGrpSpPr>
@@ -11996,9 +11441,9 @@
       </p:grpSpPr>
       <p:sp>
         <p:nvSpPr>
-          <p:cNvPr id="2" name="Title 1"/>
+          <p:cNvPr id="63490" name="Rectangle 2"/>
           <p:cNvSpPr>
-            <a:spLocks noGrp="1"/>
+            <a:spLocks noGrp="1" noChangeArrowheads="1"/>
           </p:cNvSpPr>
           <p:nvPr>
             <p:ph type="title"/>
@@ -12006,8 +11451,8 @@
         </p:nvSpPr>
         <p:spPr>
           <a:xfrm>
-            <a:off x="2209800" y="304800"/>
-            <a:ext cx="7772400" cy="1143000"/>
+            <a:off x="2209800" y="609600"/>
+            <a:ext cx="7924800" cy="1143000"/>
           </a:xfrm>
         </p:spPr>
         <p:txBody>
@@ -12016,99 +11461,448 @@
           <a:p>
             <a:r>
               <a:rPr lang="en-US" dirty="0"/>
-              <a:t>Implementation 5</a:t>
-            </a:r>
-            <a:br>
-              <a:rPr lang="en-US" dirty="0"/>
-            </a:br>
-            <a:r>
-              <a:rPr lang="en-US" dirty="0"/>
-              <a:t>callbacks (continuations)</a:t>
+              <a:t>Compare with “List of lists” implementation</a:t>
             </a:r>
           </a:p>
         </p:txBody>
       </p:sp>
       <p:sp>
         <p:nvSpPr>
-          <p:cNvPr id="3" name="Content Placeholder 2"/>
+          <p:cNvPr id="63491" name="Rectangle 3"/>
           <p:cNvSpPr>
-            <a:spLocks noGrp="1"/>
+            <a:spLocks noGrp="1" noChangeArrowheads="1"/>
           </p:cNvSpPr>
           <p:nvPr>
-            <p:ph idx="1"/>
+            <p:ph type="body" idx="1"/>
           </p:nvPr>
         </p:nvSpPr>
         <p:spPr>
           <a:xfrm>
-            <a:off x="2209800" y="2057400"/>
-            <a:ext cx="7772400" cy="4114800"/>
+            <a:off x="1524000" y="2209800"/>
+            <a:ext cx="9372600" cy="4572000"/>
           </a:xfrm>
         </p:spPr>
         <p:txBody>
           <a:bodyPr/>
           <a:lstStyle/>
           <a:p>
-            <a:r>
-              <a:rPr lang="en-US" dirty="0"/>
-              <a:t>This is what I use in the interpreter code.  </a:t>
-            </a:r>
-          </a:p>
-          <a:p>
-            <a:r>
-              <a:rPr lang="en-US" dirty="0"/>
-              <a:t>Change the interface so </a:t>
-            </a:r>
-            <a:r>
-              <a:rPr lang="en-US" b="1" dirty="0">
+            <a:pPr>
+              <a:spcBef>
+                <a:spcPct val="0"/>
+              </a:spcBef>
+              <a:buFontTx/>
+              <a:buNone/>
+            </a:pPr>
+            <a:r>
+              <a:rPr lang="en-US" sz="2400" b="1" dirty="0">
+                <a:latin typeface="Courier New" pitchFamily="49" charset="0"/>
+              </a:rPr>
+              <a:t>(define apply-</a:t>
+            </a:r>
+            <a:r>
+              <a:rPr lang="en-US" sz="2400" b="1" dirty="0" err="1">
+                <a:latin typeface="Courier New" pitchFamily="49" charset="0"/>
+              </a:rPr>
+              <a:t>env</a:t>
+            </a:r>
+            <a:endParaRPr lang="en-US" sz="2400" b="1" dirty="0">
+              <a:latin typeface="Courier New" pitchFamily="49" charset="0"/>
+            </a:endParaRPr>
+          </a:p>
+          <a:p>
+            <a:pPr>
+              <a:spcBef>
+                <a:spcPct val="0"/>
+              </a:spcBef>
+              <a:buFontTx/>
+              <a:buNone/>
+            </a:pPr>
+            <a:r>
+              <a:rPr lang="en-US" sz="2400" b="1" dirty="0">
+                <a:latin typeface="Courier New" pitchFamily="49" charset="0"/>
+              </a:rPr>
+              <a:t>  (lambda (</a:t>
+            </a:r>
+            <a:r>
+              <a:rPr lang="en-US" sz="2400" b="1" dirty="0" err="1">
+                <a:latin typeface="Courier New" pitchFamily="49" charset="0"/>
+              </a:rPr>
+              <a:t>env</a:t>
+            </a:r>
+            <a:r>
+              <a:rPr lang="en-US" sz="2400" b="1" dirty="0">
+                <a:latin typeface="Courier New" pitchFamily="49" charset="0"/>
+              </a:rPr>
+              <a:t> </a:t>
+            </a:r>
+            <a:r>
+              <a:rPr lang="en-US" sz="2400" b="1" dirty="0" err="1">
+                <a:latin typeface="Courier New" pitchFamily="49" charset="0"/>
+              </a:rPr>
+              <a:t>sym</a:t>
+            </a:r>
+            <a:r>
+              <a:rPr lang="en-US" sz="2400" b="1" dirty="0">
+                <a:latin typeface="Courier New" pitchFamily="49" charset="0"/>
+              </a:rPr>
+              <a:t>)</a:t>
+            </a:r>
+          </a:p>
+          <a:p>
+            <a:pPr>
+              <a:spcBef>
+                <a:spcPct val="0"/>
+              </a:spcBef>
+              <a:buFontTx/>
+              <a:buNone/>
+            </a:pPr>
+            <a:r>
+              <a:rPr lang="en-US" sz="2400" b="1" dirty="0">
+                <a:latin typeface="Courier New" pitchFamily="49" charset="0"/>
+              </a:rPr>
+              <a:t>    (if (null? </a:t>
+            </a:r>
+            <a:r>
+              <a:rPr lang="en-US" sz="2400" b="1" dirty="0" err="1">
+                <a:latin typeface="Courier New" pitchFamily="49" charset="0"/>
+              </a:rPr>
+              <a:t>env</a:t>
+            </a:r>
+            <a:r>
+              <a:rPr lang="en-US" sz="2400" b="1" dirty="0">
+                <a:latin typeface="Courier New" pitchFamily="49" charset="0"/>
+              </a:rPr>
+              <a:t>)</a:t>
+            </a:r>
+          </a:p>
+          <a:p>
+            <a:pPr>
+              <a:spcBef>
+                <a:spcPct val="0"/>
+              </a:spcBef>
+              <a:buFontTx/>
+              <a:buNone/>
+            </a:pPr>
+            <a:r>
+              <a:rPr lang="en-US" sz="2400" b="1" dirty="0">
+                <a:latin typeface="Courier New" pitchFamily="49" charset="0"/>
+              </a:rPr>
+              <a:t>      (error 'apply-</a:t>
+            </a:r>
+            <a:r>
+              <a:rPr lang="en-US" sz="2400" b="1" dirty="0" err="1">
+                <a:latin typeface="Courier New" pitchFamily="49" charset="0"/>
+              </a:rPr>
+              <a:t>env</a:t>
+            </a:r>
+            <a:r>
+              <a:rPr lang="en-US" sz="2400" b="1" dirty="0">
+                <a:latin typeface="Courier New" pitchFamily="49" charset="0"/>
+              </a:rPr>
+              <a:t> "No binding for ~s" </a:t>
+            </a:r>
+            <a:r>
+              <a:rPr lang="en-US" sz="2400" b="1" dirty="0" err="1">
+                <a:latin typeface="Courier New" pitchFamily="49" charset="0"/>
+              </a:rPr>
+              <a:t>sym</a:t>
+            </a:r>
+            <a:r>
+              <a:rPr lang="en-US" sz="2400" b="1" dirty="0">
+                <a:latin typeface="Courier New" pitchFamily="49" charset="0"/>
+              </a:rPr>
+              <a:t>)</a:t>
+            </a:r>
+          </a:p>
+          <a:p>
+            <a:pPr>
+              <a:spcBef>
+                <a:spcPct val="0"/>
+              </a:spcBef>
+              <a:buFontTx/>
+              <a:buNone/>
+            </a:pPr>
+            <a:r>
+              <a:rPr lang="en-US" sz="2400" b="1" dirty="0">
+                <a:latin typeface="Courier New" pitchFamily="49" charset="0"/>
+              </a:rPr>
+              <a:t>      (let ((</a:t>
+            </a:r>
+            <a:r>
+              <a:rPr lang="en-US" sz="2400" b="1" dirty="0" err="1">
+                <a:latin typeface="Courier New" pitchFamily="49" charset="0"/>
+              </a:rPr>
+              <a:t>syms</a:t>
+            </a:r>
+            <a:r>
+              <a:rPr lang="en-US" sz="2400" b="1" dirty="0">
+                <a:latin typeface="Courier New" pitchFamily="49" charset="0"/>
+              </a:rPr>
+              <a:t> (car (car </a:t>
+            </a:r>
+            <a:r>
+              <a:rPr lang="en-US" sz="2400" b="1" dirty="0" err="1">
+                <a:latin typeface="Courier New" pitchFamily="49" charset="0"/>
+              </a:rPr>
+              <a:t>env</a:t>
+            </a:r>
+            <a:r>
+              <a:rPr lang="en-US" sz="2400" b="1" dirty="0">
+                <a:latin typeface="Courier New" pitchFamily="49" charset="0"/>
+              </a:rPr>
+              <a:t>)))</a:t>
+            </a:r>
+          </a:p>
+          <a:p>
+            <a:pPr>
+              <a:spcBef>
+                <a:spcPct val="0"/>
+              </a:spcBef>
+              <a:buFontTx/>
+              <a:buNone/>
+            </a:pPr>
+            <a:r>
+              <a:rPr lang="en-US" sz="2400" b="1" dirty="0">
+                <a:latin typeface="Courier New" pitchFamily="49" charset="0"/>
+              </a:rPr>
+              <a:t>            (</a:t>
+            </a:r>
+            <a:r>
+              <a:rPr lang="en-US" sz="2400" b="1" dirty="0" err="1">
+                <a:latin typeface="Courier New" pitchFamily="49" charset="0"/>
+              </a:rPr>
+              <a:t>vals</a:t>
+            </a:r>
+            <a:r>
+              <a:rPr lang="en-US" sz="2400" b="1" dirty="0">
+                <a:latin typeface="Courier New" pitchFamily="49" charset="0"/>
+              </a:rPr>
+              <a:t> (</a:t>
+            </a:r>
+            <a:r>
+              <a:rPr lang="en-US" sz="2400" b="1" dirty="0">
                 <a:solidFill>
                   <a:srgbClr val="00FF00"/>
                 </a:solidFill>
-              </a:rPr>
-              <a:t>apply-env </a:t>
-            </a:r>
-            <a:r>
-              <a:rPr lang="en-US" dirty="0"/>
-              <a:t>expects:</a:t>
-            </a:r>
-          </a:p>
-          <a:p>
-            <a:pPr marL="914400" lvl="1" indent="-514350">
-              <a:buFont typeface="+mj-lt"/>
-              <a:buAutoNum type="arabicPeriod"/>
-            </a:pPr>
-            <a:r>
-              <a:rPr lang="en-US" dirty="0"/>
-              <a:t>An environment</a:t>
-            </a:r>
-          </a:p>
-          <a:p>
-            <a:pPr marL="914400" lvl="1" indent="-514350">
-              <a:buFont typeface="+mj-lt"/>
-              <a:buAutoNum type="arabicPeriod"/>
-            </a:pPr>
-            <a:r>
-              <a:rPr lang="en-US" dirty="0"/>
-              <a:t>A symbol, the variable to be looked up</a:t>
-            </a:r>
-          </a:p>
-          <a:p>
-            <a:pPr marL="914400" lvl="1" indent="-514350">
-              <a:buFont typeface="+mj-lt"/>
-              <a:buAutoNum type="arabicPeriod"/>
-            </a:pPr>
-            <a:r>
-              <a:rPr lang="en-US" dirty="0"/>
-              <a:t>A "succeed" callback function, applied to the value of the variable if the variable is found</a:t>
-            </a:r>
-          </a:p>
-          <a:p>
-            <a:pPr marL="914400" lvl="1" indent="-514350">
-              <a:buFont typeface="+mj-lt"/>
-              <a:buAutoNum type="arabicPeriod"/>
-            </a:pPr>
-            <a:r>
-              <a:rPr lang="en-US" dirty="0"/>
-              <a:t>A "fail" callback function, applied ot no arguments if the variable is not found.</a:t>
+                <a:latin typeface="Courier New" pitchFamily="49" charset="0"/>
+              </a:rPr>
+              <a:t>cadr</a:t>
+            </a:r>
+            <a:r>
+              <a:rPr lang="en-US" sz="2400" b="1" dirty="0">
+                <a:latin typeface="Courier New" pitchFamily="49" charset="0"/>
+              </a:rPr>
+              <a:t> (car env)))</a:t>
+            </a:r>
+          </a:p>
+          <a:p>
+            <a:pPr>
+              <a:spcBef>
+                <a:spcPct val="0"/>
+              </a:spcBef>
+              <a:buFontTx/>
+              <a:buNone/>
+            </a:pPr>
+            <a:r>
+              <a:rPr lang="en-US" sz="2400" b="1" dirty="0">
+                <a:latin typeface="Courier New" pitchFamily="49" charset="0"/>
+              </a:rPr>
+              <a:t>            (</a:t>
+            </a:r>
+            <a:r>
+              <a:rPr lang="en-US" sz="2400" b="1" dirty="0" err="1">
+                <a:latin typeface="Courier New" pitchFamily="49" charset="0"/>
+              </a:rPr>
+              <a:t>env</a:t>
+            </a:r>
+            <a:r>
+              <a:rPr lang="en-US" sz="2400" b="1" dirty="0">
+                <a:latin typeface="Courier New" pitchFamily="49" charset="0"/>
+              </a:rPr>
+              <a:t> (cdr </a:t>
+            </a:r>
+            <a:r>
+              <a:rPr lang="en-US" sz="2400" b="1" dirty="0" err="1">
+                <a:latin typeface="Courier New" pitchFamily="49" charset="0"/>
+              </a:rPr>
+              <a:t>env</a:t>
+            </a:r>
+            <a:r>
+              <a:rPr lang="en-US" sz="2400" b="1" dirty="0">
+                <a:latin typeface="Courier New" pitchFamily="49" charset="0"/>
+              </a:rPr>
+              <a:t>)))</a:t>
+            </a:r>
+          </a:p>
+          <a:p>
+            <a:pPr>
+              <a:spcBef>
+                <a:spcPct val="0"/>
+              </a:spcBef>
+              <a:buFontTx/>
+              <a:buNone/>
+            </a:pPr>
+            <a:r>
+              <a:rPr lang="en-US" sz="2400" b="1" dirty="0">
+                <a:latin typeface="Courier New" pitchFamily="49" charset="0"/>
+              </a:rPr>
+              <a:t>        (let ([</a:t>
+            </a:r>
+            <a:r>
+              <a:rPr lang="en-US" sz="2400" b="1" dirty="0" err="1">
+                <a:latin typeface="Courier New" pitchFamily="49" charset="0"/>
+              </a:rPr>
+              <a:t>pos</a:t>
+            </a:r>
+            <a:r>
+              <a:rPr lang="en-US" sz="2400" b="1" dirty="0">
+                <a:latin typeface="Courier New" pitchFamily="49" charset="0"/>
+              </a:rPr>
+              <a:t> (rib-find-position </a:t>
+            </a:r>
+            <a:r>
+              <a:rPr lang="en-US" sz="2400" b="1" dirty="0" err="1">
+                <a:latin typeface="Courier New" pitchFamily="49" charset="0"/>
+              </a:rPr>
+              <a:t>sym</a:t>
+            </a:r>
+            <a:r>
+              <a:rPr lang="en-US" sz="2400" b="1" dirty="0">
+                <a:latin typeface="Courier New" pitchFamily="49" charset="0"/>
+              </a:rPr>
+              <a:t> </a:t>
+            </a:r>
+            <a:r>
+              <a:rPr lang="en-US" sz="2400" b="1" dirty="0" err="1">
+                <a:latin typeface="Courier New" pitchFamily="49" charset="0"/>
+              </a:rPr>
+              <a:t>syms</a:t>
+            </a:r>
+            <a:r>
+              <a:rPr lang="en-US" sz="2400" b="1" dirty="0">
+                <a:latin typeface="Courier New" pitchFamily="49" charset="0"/>
+              </a:rPr>
+              <a:t>)])</a:t>
+            </a:r>
+          </a:p>
+          <a:p>
+            <a:pPr>
+              <a:spcBef>
+                <a:spcPct val="0"/>
+              </a:spcBef>
+              <a:buFontTx/>
+              <a:buNone/>
+            </a:pPr>
+            <a:r>
+              <a:rPr lang="en-US" sz="2400" b="1" dirty="0">
+                <a:latin typeface="Courier New" pitchFamily="49" charset="0"/>
+              </a:rPr>
+              <a:t>          (if (number? </a:t>
+            </a:r>
+            <a:r>
+              <a:rPr lang="en-US" sz="2400" b="1" dirty="0" err="1">
+                <a:latin typeface="Courier New" pitchFamily="49" charset="0"/>
+              </a:rPr>
+              <a:t>pos</a:t>
+            </a:r>
+            <a:r>
+              <a:rPr lang="en-US" sz="2400" b="1" dirty="0">
+                <a:latin typeface="Courier New" pitchFamily="49" charset="0"/>
+              </a:rPr>
+              <a:t>)</a:t>
+            </a:r>
+          </a:p>
+          <a:p>
+            <a:pPr>
+              <a:spcBef>
+                <a:spcPct val="0"/>
+              </a:spcBef>
+              <a:buFontTx/>
+              <a:buNone/>
+            </a:pPr>
+            <a:r>
+              <a:rPr lang="en-US" sz="2400" b="1" dirty="0">
+                <a:latin typeface="Courier New" pitchFamily="49" charset="0"/>
+              </a:rPr>
+              <a:t>              (</a:t>
+            </a:r>
+            <a:r>
+              <a:rPr lang="en-US" sz="2400" b="1" dirty="0">
+                <a:solidFill>
+                  <a:srgbClr val="00FF00"/>
+                </a:solidFill>
+                <a:latin typeface="Courier New" pitchFamily="49" charset="0"/>
+              </a:rPr>
+              <a:t>list-ref</a:t>
+            </a:r>
+            <a:r>
+              <a:rPr lang="en-US" sz="2400" b="1" dirty="0">
+                <a:latin typeface="Courier New" pitchFamily="49" charset="0"/>
+              </a:rPr>
+              <a:t> </a:t>
+            </a:r>
+            <a:r>
+              <a:rPr lang="en-US" sz="2400" b="1" dirty="0" err="1">
+                <a:latin typeface="Courier New" pitchFamily="49" charset="0"/>
+              </a:rPr>
+              <a:t>vals</a:t>
+            </a:r>
+            <a:r>
+              <a:rPr lang="en-US" sz="2400" b="1" dirty="0">
+                <a:latin typeface="Courier New" pitchFamily="49" charset="0"/>
+              </a:rPr>
+              <a:t> pos) </a:t>
+            </a:r>
+          </a:p>
+          <a:p>
+            <a:pPr>
+              <a:spcBef>
+                <a:spcPct val="0"/>
+              </a:spcBef>
+              <a:buFontTx/>
+              <a:buNone/>
+            </a:pPr>
+            <a:r>
+              <a:rPr lang="en-US" sz="2400" b="1" dirty="0">
+                <a:latin typeface="Courier New" pitchFamily="49" charset="0"/>
+              </a:rPr>
+              <a:t>              (apply-</a:t>
+            </a:r>
+            <a:r>
+              <a:rPr lang="en-US" sz="2400" b="1" dirty="0" err="1">
+                <a:latin typeface="Courier New" pitchFamily="49" charset="0"/>
+              </a:rPr>
+              <a:t>env</a:t>
+            </a:r>
+            <a:r>
+              <a:rPr lang="en-US" sz="2400" b="1" dirty="0">
+                <a:latin typeface="Courier New" pitchFamily="49" charset="0"/>
+              </a:rPr>
+              <a:t> </a:t>
+            </a:r>
+            <a:r>
+              <a:rPr lang="en-US" sz="2400" b="1" dirty="0" err="1">
+                <a:latin typeface="Courier New" pitchFamily="49" charset="0"/>
+              </a:rPr>
+              <a:t>env</a:t>
+            </a:r>
+            <a:r>
+              <a:rPr lang="en-US" sz="2400" b="1" dirty="0">
+                <a:latin typeface="Courier New" pitchFamily="49" charset="0"/>
+              </a:rPr>
+              <a:t> </a:t>
+            </a:r>
+            <a:r>
+              <a:rPr lang="en-US" sz="2400" b="1" dirty="0" err="1">
+                <a:latin typeface="Courier New" pitchFamily="49" charset="0"/>
+              </a:rPr>
+              <a:t>sym</a:t>
+            </a:r>
+            <a:r>
+              <a:rPr lang="en-US" sz="2400" b="1" dirty="0">
+                <a:latin typeface="Courier New" pitchFamily="49" charset="0"/>
+              </a:rPr>
+              <a:t>)))))))</a:t>
             </a:r>
           </a:p>
         </p:txBody>
@@ -12116,7 +11910,7 @@
     </p:spTree>
     <p:extLst>
       <p:ext uri="{BB962C8B-B14F-4D97-AF65-F5344CB8AC3E}">
-        <p14:creationId xmlns:p14="http://schemas.microsoft.com/office/powerpoint/2010/main" val="1783464554"/>
+        <p14:creationId xmlns:p14="http://schemas.microsoft.com/office/powerpoint/2010/main" val="1557834649"/>
       </p:ext>
     </p:extLst>
   </p:cSld>
@@ -12153,6 +11947,155 @@
             <p:ph type="title"/>
           </p:nvPr>
         </p:nvSpPr>
+        <p:spPr>
+          <a:xfrm>
+            <a:off x="2209800" y="304800"/>
+            <a:ext cx="7772400" cy="1143000"/>
+          </a:xfrm>
+        </p:spPr>
+        <p:txBody>
+          <a:bodyPr/>
+          <a:lstStyle/>
+          <a:p>
+            <a:r>
+              <a:rPr lang="en-US" dirty="0"/>
+              <a:t>Implementation 5</a:t>
+            </a:r>
+            <a:br>
+              <a:rPr lang="en-US" dirty="0"/>
+            </a:br>
+            <a:r>
+              <a:rPr lang="en-US" dirty="0"/>
+              <a:t>callbacks (continuations)</a:t>
+            </a:r>
+          </a:p>
+        </p:txBody>
+      </p:sp>
+      <p:sp>
+        <p:nvSpPr>
+          <p:cNvPr id="3" name="Content Placeholder 2"/>
+          <p:cNvSpPr>
+            <a:spLocks noGrp="1"/>
+          </p:cNvSpPr>
+          <p:nvPr>
+            <p:ph idx="1"/>
+          </p:nvPr>
+        </p:nvSpPr>
+        <p:spPr>
+          <a:xfrm>
+            <a:off x="2209800" y="2057400"/>
+            <a:ext cx="7772400" cy="4114800"/>
+          </a:xfrm>
+        </p:spPr>
+        <p:txBody>
+          <a:bodyPr/>
+          <a:lstStyle/>
+          <a:p>
+            <a:r>
+              <a:rPr lang="en-US" dirty="0"/>
+              <a:t>This is what I use in the interpreter code.  </a:t>
+            </a:r>
+          </a:p>
+          <a:p>
+            <a:r>
+              <a:rPr lang="en-US" dirty="0"/>
+              <a:t>Change the interface so </a:t>
+            </a:r>
+            <a:r>
+              <a:rPr lang="en-US" b="1" dirty="0">
+                <a:solidFill>
+                  <a:srgbClr val="00FF00"/>
+                </a:solidFill>
+              </a:rPr>
+              <a:t>apply-env </a:t>
+            </a:r>
+            <a:r>
+              <a:rPr lang="en-US" dirty="0"/>
+              <a:t>expects:</a:t>
+            </a:r>
+          </a:p>
+          <a:p>
+            <a:pPr marL="914400" lvl="1" indent="-514350">
+              <a:buFont typeface="+mj-lt"/>
+              <a:buAutoNum type="arabicPeriod"/>
+            </a:pPr>
+            <a:r>
+              <a:rPr lang="en-US" dirty="0"/>
+              <a:t>An environment</a:t>
+            </a:r>
+          </a:p>
+          <a:p>
+            <a:pPr marL="914400" lvl="1" indent="-514350">
+              <a:buFont typeface="+mj-lt"/>
+              <a:buAutoNum type="arabicPeriod"/>
+            </a:pPr>
+            <a:r>
+              <a:rPr lang="en-US" dirty="0"/>
+              <a:t>A symbol, the variable to be looked up</a:t>
+            </a:r>
+          </a:p>
+          <a:p>
+            <a:pPr marL="914400" lvl="1" indent="-514350">
+              <a:buFont typeface="+mj-lt"/>
+              <a:buAutoNum type="arabicPeriod"/>
+            </a:pPr>
+            <a:r>
+              <a:rPr lang="en-US" dirty="0"/>
+              <a:t>A "succeed" callback function, applied to the value of the variable if the variable is found</a:t>
+            </a:r>
+          </a:p>
+          <a:p>
+            <a:pPr marL="914400" lvl="1" indent="-514350">
+              <a:buFont typeface="+mj-lt"/>
+              <a:buAutoNum type="arabicPeriod"/>
+            </a:pPr>
+            <a:r>
+              <a:rPr lang="en-US" dirty="0"/>
+              <a:t>A "fail" callback function, applied ot no arguments if the variable is not found.</a:t>
+            </a:r>
+          </a:p>
+        </p:txBody>
+      </p:sp>
+    </p:spTree>
+    <p:extLst>
+      <p:ext uri="{BB962C8B-B14F-4D97-AF65-F5344CB8AC3E}">
+        <p14:creationId xmlns:p14="http://schemas.microsoft.com/office/powerpoint/2010/main" val="1783464554"/>
+      </p:ext>
+    </p:extLst>
+  </p:cSld>
+  <p:clrMapOvr>
+    <a:masterClrMapping/>
+  </p:clrMapOvr>
+</p:sld>
+</file>
+
+<file path=ppt/slides/slide25.xml><?xml version="1.0" encoding="utf-8"?>
+<p:sld xmlns:a="http://schemas.openxmlformats.org/drawingml/2006/main" xmlns:r="http://schemas.openxmlformats.org/officeDocument/2006/relationships" xmlns:p="http://schemas.openxmlformats.org/presentationml/2006/main" show="0">
+  <p:cSld>
+    <p:spTree>
+      <p:nvGrpSpPr>
+        <p:cNvPr id="1" name=""/>
+        <p:cNvGrpSpPr/>
+        <p:nvPr/>
+      </p:nvGrpSpPr>
+      <p:grpSpPr>
+        <a:xfrm>
+          <a:off x="0" y="0"/>
+          <a:ext cx="0" cy="0"/>
+          <a:chOff x="0" y="0"/>
+          <a:chExt cx="0" cy="0"/>
+        </a:xfrm>
+      </p:grpSpPr>
+      <p:sp>
+        <p:nvSpPr>
+          <p:cNvPr id="2" name="Title 1"/>
+          <p:cNvSpPr>
+            <a:spLocks noGrp="1"/>
+          </p:cNvSpPr>
+          <p:nvPr>
+            <p:ph type="title"/>
+          </p:nvPr>
+        </p:nvSpPr>
         <p:spPr/>
         <p:txBody>
           <a:bodyPr/>
@@ -12601,7 +12544,7 @@
 </p:sld>
 </file>
 
-<file path=ppt/slides/slide25.xml><?xml version="1.0" encoding="utf-8"?>
+<file path=ppt/slides/slide26.xml><?xml version="1.0" encoding="utf-8"?>
 <p:sld xmlns:a="http://schemas.openxmlformats.org/drawingml/2006/main" xmlns:r="http://schemas.openxmlformats.org/officeDocument/2006/relationships" xmlns:p="http://schemas.openxmlformats.org/presentationml/2006/main">
   <p:cSld>
     <p:spTree>
@@ -12676,7 +12619,7 @@
 </p:sld>
 </file>
 
-<file path=ppt/slides/slide26.xml><?xml version="1.0" encoding="utf-8"?>
+<file path=ppt/slides/slide27.xml><?xml version="1.0" encoding="utf-8"?>
 <p:sld xmlns:a="http://schemas.openxmlformats.org/drawingml/2006/main" xmlns:r="http://schemas.openxmlformats.org/officeDocument/2006/relationships" xmlns:p="http://schemas.openxmlformats.org/presentationml/2006/main" showMasterPhAnim="0">
   <p:cSld>
     <p:spTree>
@@ -13200,7 +13143,7 @@
 </p:sld>
 </file>
 
-<file path=ppt/slides/slide27.xml><?xml version="1.0" encoding="utf-8"?>
+<file path=ppt/slides/slide28.xml><?xml version="1.0" encoding="utf-8"?>
 <p:sld xmlns:a="http://schemas.openxmlformats.org/drawingml/2006/main" xmlns:r="http://schemas.openxmlformats.org/officeDocument/2006/relationships" xmlns:p="http://schemas.openxmlformats.org/presentationml/2006/main">
   <p:cSld>
     <p:spTree>
@@ -13923,7 +13866,7 @@
 </p:sld>
 </file>
 
-<file path=ppt/slides/slide28.xml><?xml version="1.0" encoding="utf-8"?>
+<file path=ppt/slides/slide29.xml><?xml version="1.0" encoding="utf-8"?>
 <p:sld xmlns:a="http://schemas.openxmlformats.org/drawingml/2006/main" xmlns:r="http://schemas.openxmlformats.org/officeDocument/2006/relationships" xmlns:p="http://schemas.openxmlformats.org/presentationml/2006/main">
   <p:cSld>
     <p:spTree>
@@ -14042,7 +13985,161 @@
 </p:sld>
 </file>
 
-<file path=ppt/slides/slide29.xml><?xml version="1.0" encoding="utf-8"?>
+<file path=ppt/slides/slide3.xml><?xml version="1.0" encoding="utf-8"?>
+<p:sld xmlns:a="http://schemas.openxmlformats.org/drawingml/2006/main" xmlns:r="http://schemas.openxmlformats.org/officeDocument/2006/relationships" xmlns:p="http://schemas.openxmlformats.org/presentationml/2006/main">
+  <p:cSld>
+    <p:spTree>
+      <p:nvGrpSpPr>
+        <p:cNvPr id="1" name=""/>
+        <p:cNvGrpSpPr/>
+        <p:nvPr/>
+      </p:nvGrpSpPr>
+      <p:grpSpPr>
+        <a:xfrm>
+          <a:off x="0" y="0"/>
+          <a:ext cx="0" cy="0"/>
+          <a:chOff x="0" y="0"/>
+          <a:chExt cx="0" cy="0"/>
+        </a:xfrm>
+      </p:grpSpPr>
+      <p:sp>
+        <p:nvSpPr>
+          <p:cNvPr id="82946" name="Rectangle 2"/>
+          <p:cNvSpPr>
+            <a:spLocks noGrp="1" noChangeArrowheads="1"/>
+          </p:cNvSpPr>
+          <p:nvPr>
+            <p:ph type="ctrTitle"/>
+          </p:nvPr>
+        </p:nvSpPr>
+        <p:spPr>
+          <a:xfrm>
+            <a:off x="2209800" y="0"/>
+            <a:ext cx="7772400" cy="1143000"/>
+          </a:xfrm>
+        </p:spPr>
+        <p:txBody>
+          <a:bodyPr/>
+          <a:lstStyle/>
+          <a:p>
+            <a:r>
+              <a:rPr lang="en-US" dirty="0"/>
+              <a:t>CSSE 304   Day 19</a:t>
+            </a:r>
+          </a:p>
+        </p:txBody>
+      </p:sp>
+      <p:sp>
+        <p:nvSpPr>
+          <p:cNvPr id="82947" name="Rectangle 3"/>
+          <p:cNvSpPr>
+            <a:spLocks noGrp="1" noChangeArrowheads="1"/>
+          </p:cNvSpPr>
+          <p:nvPr>
+            <p:ph type="subTitle" idx="1"/>
+          </p:nvPr>
+        </p:nvSpPr>
+        <p:spPr>
+          <a:xfrm>
+            <a:off x="1828800" y="1828800"/>
+            <a:ext cx="8686800" cy="2133600"/>
+          </a:xfrm>
+        </p:spPr>
+        <p:txBody>
+          <a:bodyPr/>
+          <a:lstStyle/>
+          <a:p>
+            <a:pPr>
+              <a:lnSpc>
+                <a:spcPct val="80000"/>
+              </a:lnSpc>
+            </a:pPr>
+            <a:r>
+              <a:rPr lang="en-US" sz="3600" dirty="0"/>
+              <a:t>Environment ADT</a:t>
+            </a:r>
+          </a:p>
+          <a:p>
+            <a:pPr>
+              <a:lnSpc>
+                <a:spcPct val="80000"/>
+              </a:lnSpc>
+            </a:pPr>
+            <a:r>
+              <a:rPr lang="en-US" sz="3600" dirty="0"/>
+              <a:t>Environment Representations</a:t>
+            </a:r>
+          </a:p>
+          <a:p>
+            <a:pPr>
+              <a:lnSpc>
+                <a:spcPct val="80000"/>
+              </a:lnSpc>
+            </a:pPr>
+            <a:r>
+              <a:rPr lang="en-US" sz="3600" dirty="0"/>
+              <a:t>Begin the Interpreter Project Intro</a:t>
+            </a:r>
+          </a:p>
+          <a:p>
+            <a:pPr>
+              <a:lnSpc>
+                <a:spcPct val="80000"/>
+              </a:lnSpc>
+            </a:pPr>
+            <a:endParaRPr lang="en-US" sz="3600" dirty="0"/>
+          </a:p>
+          <a:p>
+            <a:pPr>
+              <a:lnSpc>
+                <a:spcPct val="80000"/>
+              </a:lnSpc>
+            </a:pPr>
+            <a:endParaRPr lang="en-US" sz="3600" dirty="0"/>
+          </a:p>
+          <a:p>
+            <a:pPr>
+              <a:lnSpc>
+                <a:spcPct val="80000"/>
+              </a:lnSpc>
+            </a:pPr>
+            <a:endParaRPr lang="en-US" sz="3600" dirty="0"/>
+          </a:p>
+          <a:p>
+            <a:pPr>
+              <a:lnSpc>
+                <a:spcPct val="80000"/>
+              </a:lnSpc>
+            </a:pPr>
+            <a:endParaRPr lang="en-US" sz="3600" dirty="0"/>
+          </a:p>
+          <a:p>
+            <a:pPr>
+              <a:lnSpc>
+                <a:spcPct val="80000"/>
+              </a:lnSpc>
+            </a:pPr>
+            <a:endParaRPr lang="en-US" sz="3600" dirty="0"/>
+          </a:p>
+          <a:p>
+            <a:pPr>
+              <a:lnSpc>
+                <a:spcPct val="80000"/>
+              </a:lnSpc>
+            </a:pPr>
+            <a:endParaRPr lang="en-US" sz="3600" dirty="0"/>
+          </a:p>
+        </p:txBody>
+      </p:sp>
+    </p:spTree>
+  </p:cSld>
+  <p:clrMapOvr>
+    <a:masterClrMapping/>
+  </p:clrMapOvr>
+</p:sld>
+</file>
+
+<file path=ppt/slides/slide30.xml><?xml version="1.0" encoding="utf-8"?>
 <p:sld xmlns:a="http://schemas.openxmlformats.org/drawingml/2006/main" xmlns:r="http://schemas.openxmlformats.org/officeDocument/2006/relationships" xmlns:p="http://schemas.openxmlformats.org/presentationml/2006/main">
   <p:cSld>
     <p:spTree>
@@ -14227,316 +14324,7 @@
 </p:sld>
 </file>
 
-<file path=ppt/slides/slide3.xml><?xml version="1.0" encoding="utf-8"?>
-<p:sld xmlns:a="http://schemas.openxmlformats.org/drawingml/2006/main" xmlns:r="http://schemas.openxmlformats.org/officeDocument/2006/relationships" xmlns:p="http://schemas.openxmlformats.org/presentationml/2006/main">
-  <p:cSld>
-    <p:spTree>
-      <p:nvGrpSpPr>
-        <p:cNvPr id="1" name=""/>
-        <p:cNvGrpSpPr/>
-        <p:nvPr/>
-      </p:nvGrpSpPr>
-      <p:grpSpPr>
-        <a:xfrm>
-          <a:off x="0" y="0"/>
-          <a:ext cx="0" cy="0"/>
-          <a:chOff x="0" y="0"/>
-          <a:chExt cx="0" cy="0"/>
-        </a:xfrm>
-      </p:grpSpPr>
-      <p:sp>
-        <p:nvSpPr>
-          <p:cNvPr id="5" name="Text Placeholder 4"/>
-          <p:cNvSpPr>
-            <a:spLocks noGrp="1"/>
-          </p:cNvSpPr>
-          <p:nvPr>
-            <p:ph type="body" idx="1"/>
-          </p:nvPr>
-        </p:nvSpPr>
-        <p:spPr>
-          <a:xfrm>
-            <a:off x="533400" y="1676400"/>
-            <a:ext cx="10896600" cy="1500187"/>
-          </a:xfrm>
-        </p:spPr>
-        <p:txBody>
-          <a:bodyPr/>
-          <a:lstStyle/>
-          <a:p>
-            <a:pPr algn="ctr"/>
-            <a:r>
-              <a:rPr lang="en-US" sz="3600" dirty="0"/>
-              <a:t>We now know how environments are supposed to behave.</a:t>
-            </a:r>
-          </a:p>
-          <a:p>
-            <a:pPr algn="ctr"/>
-            <a:r>
-              <a:rPr lang="en-US" sz="3600" dirty="0"/>
-              <a:t>Next question: How can we implement them?</a:t>
-            </a:r>
-            <a:br>
-              <a:rPr lang="en-US" sz="2800" dirty="0"/>
-            </a:br>
-            <a:endParaRPr lang="en-US" sz="2800" dirty="0"/>
-          </a:p>
-          <a:p>
-            <a:endParaRPr lang="en-US" sz="2800" dirty="0"/>
-          </a:p>
-        </p:txBody>
-      </p:sp>
-      <p:sp>
-        <p:nvSpPr>
-          <p:cNvPr id="4" name="Title 3"/>
-          <p:cNvSpPr>
-            <a:spLocks noGrp="1"/>
-          </p:cNvSpPr>
-          <p:nvPr>
-            <p:ph type="title"/>
-          </p:nvPr>
-        </p:nvSpPr>
-        <p:spPr>
-          <a:xfrm>
-            <a:off x="1524000" y="2667000"/>
-            <a:ext cx="9296400" cy="1362075"/>
-          </a:xfrm>
-        </p:spPr>
-        <p:txBody>
-          <a:bodyPr/>
-          <a:lstStyle/>
-          <a:p>
-            <a:r>
-              <a:rPr lang="en-US" sz="6600" dirty="0">
-                <a:solidFill>
-                  <a:srgbClr val="FFFF00"/>
-                </a:solidFill>
-              </a:rPr>
-              <a:t>environment</a:t>
-            </a:r>
-            <a:r>
-              <a:rPr lang="en-US" sz="5400" dirty="0">
-                <a:solidFill>
-                  <a:srgbClr val="FFFF00"/>
-                </a:solidFill>
-              </a:rPr>
-              <a:t>  </a:t>
-            </a:r>
-            <a:r>
-              <a:rPr lang="en-US" sz="6600" dirty="0">
-                <a:solidFill>
-                  <a:srgbClr val="FFFF00"/>
-                </a:solidFill>
-              </a:rPr>
-              <a:t>ADT</a:t>
-            </a:r>
-          </a:p>
-        </p:txBody>
-      </p:sp>
-      <p:sp>
-        <p:nvSpPr>
-          <p:cNvPr id="6" name="Text Placeholder 4">
-            <a:extLst>
-              <a:ext uri="{FF2B5EF4-FFF2-40B4-BE49-F238E27FC236}">
-                <a16:creationId xmlns:a16="http://schemas.microsoft.com/office/drawing/2014/main" id="{375CD5BE-252F-4A21-8B4B-F571F4870CB3}"/>
-              </a:ext>
-            </a:extLst>
-          </p:cNvPr>
-          <p:cNvSpPr txBox="1">
-            <a:spLocks/>
-          </p:cNvSpPr>
-          <p:nvPr/>
-        </p:nvSpPr>
-        <p:spPr bwMode="auto">
-          <a:xfrm>
-            <a:off x="685800" y="4672013"/>
-            <a:ext cx="10896600" cy="1500187"/>
-          </a:xfrm>
-          <a:prstGeom prst="rect">
-            <a:avLst/>
-          </a:prstGeom>
-          <a:noFill/>
-          <a:ln w="9525">
-            <a:noFill/>
-            <a:miter lim="800000"/>
-            <a:headEnd/>
-            <a:tailEnd/>
-          </a:ln>
-          <a:effectLst/>
-        </p:spPr>
-        <p:txBody>
-          <a:bodyPr vert="horz" wrap="square" lIns="91440" tIns="45720" rIns="91440" bIns="45720" numCol="1" anchor="b" anchorCtr="0" compatLnSpc="1">
-            <a:prstTxWarp prst="textNoShape">
-              <a:avLst/>
-            </a:prstTxWarp>
-          </a:bodyPr>
-          <a:lstStyle>
-            <a:lvl1pPr marL="0" indent="0" algn="l" rtl="0" fontAlgn="base">
-              <a:spcBef>
-                <a:spcPct val="20000"/>
-              </a:spcBef>
-              <a:spcAft>
-                <a:spcPct val="0"/>
-              </a:spcAft>
-              <a:buNone/>
-              <a:defRPr sz="2000">
-                <a:solidFill>
-                  <a:schemeClr val="bg1"/>
-                </a:solidFill>
-                <a:latin typeface="+mn-lt"/>
-                <a:ea typeface="+mn-ea"/>
-                <a:cs typeface="+mn-cs"/>
-              </a:defRPr>
-            </a:lvl1pPr>
-            <a:lvl2pPr marL="457200" indent="0" algn="l" rtl="0" fontAlgn="base">
-              <a:spcBef>
-                <a:spcPct val="20000"/>
-              </a:spcBef>
-              <a:spcAft>
-                <a:spcPct val="0"/>
-              </a:spcAft>
-              <a:buNone/>
-              <a:defRPr sz="1800">
-                <a:solidFill>
-                  <a:schemeClr val="bg1"/>
-                </a:solidFill>
-                <a:latin typeface="+mn-lt"/>
-              </a:defRPr>
-            </a:lvl2pPr>
-            <a:lvl3pPr marL="914400" indent="0" algn="l" rtl="0" fontAlgn="base">
-              <a:spcBef>
-                <a:spcPct val="20000"/>
-              </a:spcBef>
-              <a:spcAft>
-                <a:spcPct val="0"/>
-              </a:spcAft>
-              <a:buNone/>
-              <a:defRPr sz="1600">
-                <a:solidFill>
-                  <a:schemeClr val="bg1"/>
-                </a:solidFill>
-                <a:latin typeface="+mn-lt"/>
-              </a:defRPr>
-            </a:lvl3pPr>
-            <a:lvl4pPr marL="1371600" indent="0" algn="l" rtl="0" fontAlgn="base">
-              <a:spcBef>
-                <a:spcPct val="20000"/>
-              </a:spcBef>
-              <a:spcAft>
-                <a:spcPct val="0"/>
-              </a:spcAft>
-              <a:buNone/>
-              <a:defRPr sz="1400">
-                <a:solidFill>
-                  <a:schemeClr val="bg1"/>
-                </a:solidFill>
-                <a:latin typeface="+mn-lt"/>
-              </a:defRPr>
-            </a:lvl4pPr>
-            <a:lvl5pPr marL="1828800" indent="0" algn="l" rtl="0" fontAlgn="base">
-              <a:spcBef>
-                <a:spcPct val="20000"/>
-              </a:spcBef>
-              <a:spcAft>
-                <a:spcPct val="0"/>
-              </a:spcAft>
-              <a:buNone/>
-              <a:defRPr sz="1400">
-                <a:solidFill>
-                  <a:schemeClr val="bg1"/>
-                </a:solidFill>
-                <a:latin typeface="+mn-lt"/>
-              </a:defRPr>
-            </a:lvl5pPr>
-            <a:lvl6pPr marL="2286000" indent="0" algn="l" rtl="0" fontAlgn="base">
-              <a:spcBef>
-                <a:spcPct val="20000"/>
-              </a:spcBef>
-              <a:spcAft>
-                <a:spcPct val="0"/>
-              </a:spcAft>
-              <a:buNone/>
-              <a:defRPr sz="1400">
-                <a:solidFill>
-                  <a:schemeClr val="bg1"/>
-                </a:solidFill>
-                <a:latin typeface="+mn-lt"/>
-              </a:defRPr>
-            </a:lvl6pPr>
-            <a:lvl7pPr marL="2743200" indent="0" algn="l" rtl="0" fontAlgn="base">
-              <a:spcBef>
-                <a:spcPct val="20000"/>
-              </a:spcBef>
-              <a:spcAft>
-                <a:spcPct val="0"/>
-              </a:spcAft>
-              <a:buNone/>
-              <a:defRPr sz="1400">
-                <a:solidFill>
-                  <a:schemeClr val="bg1"/>
-                </a:solidFill>
-                <a:latin typeface="+mn-lt"/>
-              </a:defRPr>
-            </a:lvl7pPr>
-            <a:lvl8pPr marL="3200400" indent="0" algn="l" rtl="0" fontAlgn="base">
-              <a:spcBef>
-                <a:spcPct val="20000"/>
-              </a:spcBef>
-              <a:spcAft>
-                <a:spcPct val="0"/>
-              </a:spcAft>
-              <a:buNone/>
-              <a:defRPr sz="1400">
-                <a:solidFill>
-                  <a:schemeClr val="bg1"/>
-                </a:solidFill>
-                <a:latin typeface="+mn-lt"/>
-              </a:defRPr>
-            </a:lvl8pPr>
-            <a:lvl9pPr marL="3657600" indent="0" algn="l" rtl="0" fontAlgn="base">
-              <a:spcBef>
-                <a:spcPct val="20000"/>
-              </a:spcBef>
-              <a:spcAft>
-                <a:spcPct val="0"/>
-              </a:spcAft>
-              <a:buNone/>
-              <a:defRPr sz="1400">
-                <a:solidFill>
-                  <a:schemeClr val="bg1"/>
-                </a:solidFill>
-                <a:latin typeface="+mn-lt"/>
-              </a:defRPr>
-            </a:lvl9pPr>
-          </a:lstStyle>
-          <a:p>
-            <a:pPr algn="ctr"/>
-            <a:r>
-              <a:rPr lang="en-US" sz="3600" kern="0" dirty="0"/>
-              <a:t>We may have time to do some of this today</a:t>
-            </a:r>
-            <a:endParaRPr lang="en-US" sz="2800" kern="0" dirty="0"/>
-          </a:p>
-          <a:p>
-            <a:pPr algn="ctr"/>
-            <a:endParaRPr lang="en-US" sz="2800" kern="0" dirty="0"/>
-          </a:p>
-        </p:txBody>
-      </p:sp>
-    </p:spTree>
-    <p:extLst>
-      <p:ext uri="{BB962C8B-B14F-4D97-AF65-F5344CB8AC3E}">
-        <p14:creationId xmlns:p14="http://schemas.microsoft.com/office/powerpoint/2010/main" val="3421048620"/>
-      </p:ext>
-    </p:extLst>
-  </p:cSld>
-  <p:clrMapOvr>
-    <a:masterClrMapping/>
-  </p:clrMapOvr>
-</p:sld>
-</file>
-
-<file path=ppt/slides/slide30.xml><?xml version="1.0" encoding="utf-8"?>
+<file path=ppt/slides/slide31.xml><?xml version="1.0" encoding="utf-8"?>
 <p:sld xmlns:a="http://schemas.openxmlformats.org/drawingml/2006/main" xmlns:r="http://schemas.openxmlformats.org/officeDocument/2006/relationships" xmlns:p="http://schemas.openxmlformats.org/presentationml/2006/main">
   <p:cSld>
     <p:spTree>
@@ -14637,7 +14425,7 @@
 </p:sld>
 </file>
 
-<file path=ppt/slides/slide31.xml><?xml version="1.0" encoding="utf-8"?>
+<file path=ppt/slides/slide32.xml><?xml version="1.0" encoding="utf-8"?>
 <p:sld xmlns:a="http://schemas.openxmlformats.org/drawingml/2006/main" xmlns:r="http://schemas.openxmlformats.org/officeDocument/2006/relationships" xmlns:p="http://schemas.openxmlformats.org/presentationml/2006/main">
   <p:cSld>
     <p:spTree>
@@ -15151,7 +14939,7 @@
 </p:sld>
 </file>
 
-<file path=ppt/slides/slide32.xml><?xml version="1.0" encoding="utf-8"?>
+<file path=ppt/slides/slide33.xml><?xml version="1.0" encoding="utf-8"?>
 <p:sld xmlns:a="http://schemas.openxmlformats.org/drawingml/2006/main" xmlns:r="http://schemas.openxmlformats.org/officeDocument/2006/relationships" xmlns:p="http://schemas.openxmlformats.org/presentationml/2006/main" showMasterPhAnim="0">
   <p:cSld>
     <p:spTree>
@@ -15907,7 +15695,7 @@
 </p:sld>
 </file>
 
-<file path=ppt/slides/slide33.xml><?xml version="1.0" encoding="utf-8"?>
+<file path=ppt/slides/slide34.xml><?xml version="1.0" encoding="utf-8"?>
 <p:sld xmlns:a="http://schemas.openxmlformats.org/drawingml/2006/main" xmlns:r="http://schemas.openxmlformats.org/officeDocument/2006/relationships" xmlns:p="http://schemas.openxmlformats.org/presentationml/2006/main">
   <p:cSld>
     <p:spTree>
@@ -16355,7 +16143,7 @@
 </p:sld>
 </file>
 
-<file path=ppt/slides/slide34.xml><?xml version="1.0" encoding="utf-8"?>
+<file path=ppt/slides/slide35.xml><?xml version="1.0" encoding="utf-8"?>
 <p:sld xmlns:a="http://schemas.openxmlformats.org/drawingml/2006/main" xmlns:r="http://schemas.openxmlformats.org/officeDocument/2006/relationships" xmlns:p="http://schemas.openxmlformats.org/presentationml/2006/main">
   <p:cSld>
     <p:spTree>
@@ -16602,7 +16390,7 @@
 </p:sld>
 </file>
 
-<file path=ppt/slides/slide35.xml><?xml version="1.0" encoding="utf-8"?>
+<file path=ppt/slides/slide36.xml><?xml version="1.0" encoding="utf-8"?>
 <p:sld xmlns:a="http://schemas.openxmlformats.org/drawingml/2006/main" xmlns:r="http://schemas.openxmlformats.org/officeDocument/2006/relationships" xmlns:p="http://schemas.openxmlformats.org/presentationml/2006/main">
   <p:cSld>
     <p:spTree>
@@ -16989,7 +16777,7 @@
 </p:sld>
 </file>
 
-<file path=ppt/slides/slide36.xml><?xml version="1.0" encoding="utf-8"?>
+<file path=ppt/slides/slide37.xml><?xml version="1.0" encoding="utf-8"?>
 <p:sld xmlns:a="http://schemas.openxmlformats.org/drawingml/2006/main" xmlns:r="http://schemas.openxmlformats.org/officeDocument/2006/relationships" xmlns:p="http://schemas.openxmlformats.org/presentationml/2006/main">
   <p:cSld>
     <p:spTree>
@@ -17097,7 +16885,7 @@
 </p:sld>
 </file>
 
-<file path=ppt/slides/slide37.xml><?xml version="1.0" encoding="utf-8"?>
+<file path=ppt/slides/slide38.xml><?xml version="1.0" encoding="utf-8"?>
 <p:sld xmlns:a="http://schemas.openxmlformats.org/drawingml/2006/main" xmlns:r="http://schemas.openxmlformats.org/officeDocument/2006/relationships" xmlns:p="http://schemas.openxmlformats.org/presentationml/2006/main">
   <p:cSld>
     <p:spTree>
@@ -17625,7 +17413,7 @@
 </p:sld>
 </file>
 
-<file path=ppt/slides/slide38.xml><?xml version="1.0" encoding="utf-8"?>
+<file path=ppt/slides/slide39.xml><?xml version="1.0" encoding="utf-8"?>
 <p:sld xmlns:a="http://schemas.openxmlformats.org/drawingml/2006/main" xmlns:r="http://schemas.openxmlformats.org/officeDocument/2006/relationships" xmlns:p="http://schemas.openxmlformats.org/presentationml/2006/main">
   <p:cSld>
     <p:spTree>
@@ -18145,7 +17933,316 @@
 </p:sld>
 </file>
 
-<file path=ppt/slides/slide39.xml><?xml version="1.0" encoding="utf-8"?>
+<file path=ppt/slides/slide4.xml><?xml version="1.0" encoding="utf-8"?>
+<p:sld xmlns:a="http://schemas.openxmlformats.org/drawingml/2006/main" xmlns:r="http://schemas.openxmlformats.org/officeDocument/2006/relationships" xmlns:p="http://schemas.openxmlformats.org/presentationml/2006/main">
+  <p:cSld>
+    <p:spTree>
+      <p:nvGrpSpPr>
+        <p:cNvPr id="1" name=""/>
+        <p:cNvGrpSpPr/>
+        <p:nvPr/>
+      </p:nvGrpSpPr>
+      <p:grpSpPr>
+        <a:xfrm>
+          <a:off x="0" y="0"/>
+          <a:ext cx="0" cy="0"/>
+          <a:chOff x="0" y="0"/>
+          <a:chExt cx="0" cy="0"/>
+        </a:xfrm>
+      </p:grpSpPr>
+      <p:sp>
+        <p:nvSpPr>
+          <p:cNvPr id="5" name="Text Placeholder 4"/>
+          <p:cNvSpPr>
+            <a:spLocks noGrp="1"/>
+          </p:cNvSpPr>
+          <p:nvPr>
+            <p:ph type="body" idx="1"/>
+          </p:nvPr>
+        </p:nvSpPr>
+        <p:spPr>
+          <a:xfrm>
+            <a:off x="533400" y="1676400"/>
+            <a:ext cx="10896600" cy="1500187"/>
+          </a:xfrm>
+        </p:spPr>
+        <p:txBody>
+          <a:bodyPr/>
+          <a:lstStyle/>
+          <a:p>
+            <a:pPr algn="ctr"/>
+            <a:r>
+              <a:rPr lang="en-US" sz="3600" dirty="0"/>
+              <a:t>We now know how environments are supposed to behave.</a:t>
+            </a:r>
+          </a:p>
+          <a:p>
+            <a:pPr algn="ctr"/>
+            <a:r>
+              <a:rPr lang="en-US" sz="3600" dirty="0"/>
+              <a:t>Next question: How can we implement them?</a:t>
+            </a:r>
+            <a:br>
+              <a:rPr lang="en-US" sz="2800" dirty="0"/>
+            </a:br>
+            <a:endParaRPr lang="en-US" sz="2800" dirty="0"/>
+          </a:p>
+          <a:p>
+            <a:endParaRPr lang="en-US" sz="2800" dirty="0"/>
+          </a:p>
+        </p:txBody>
+      </p:sp>
+      <p:sp>
+        <p:nvSpPr>
+          <p:cNvPr id="4" name="Title 3"/>
+          <p:cNvSpPr>
+            <a:spLocks noGrp="1"/>
+          </p:cNvSpPr>
+          <p:nvPr>
+            <p:ph type="title"/>
+          </p:nvPr>
+        </p:nvSpPr>
+        <p:spPr>
+          <a:xfrm>
+            <a:off x="1524000" y="2667000"/>
+            <a:ext cx="9296400" cy="1362075"/>
+          </a:xfrm>
+        </p:spPr>
+        <p:txBody>
+          <a:bodyPr/>
+          <a:lstStyle/>
+          <a:p>
+            <a:r>
+              <a:rPr lang="en-US" sz="6600" dirty="0">
+                <a:solidFill>
+                  <a:srgbClr val="FFFF00"/>
+                </a:solidFill>
+              </a:rPr>
+              <a:t>environment</a:t>
+            </a:r>
+            <a:r>
+              <a:rPr lang="en-US" sz="5400" dirty="0">
+                <a:solidFill>
+                  <a:srgbClr val="FFFF00"/>
+                </a:solidFill>
+              </a:rPr>
+              <a:t>  </a:t>
+            </a:r>
+            <a:r>
+              <a:rPr lang="en-US" sz="6600" dirty="0">
+                <a:solidFill>
+                  <a:srgbClr val="FFFF00"/>
+                </a:solidFill>
+              </a:rPr>
+              <a:t>ADT</a:t>
+            </a:r>
+          </a:p>
+        </p:txBody>
+      </p:sp>
+      <p:sp>
+        <p:nvSpPr>
+          <p:cNvPr id="6" name="Text Placeholder 4">
+            <a:extLst>
+              <a:ext uri="{FF2B5EF4-FFF2-40B4-BE49-F238E27FC236}">
+                <a16:creationId xmlns:a16="http://schemas.microsoft.com/office/drawing/2014/main" id="{375CD5BE-252F-4A21-8B4B-F571F4870CB3}"/>
+              </a:ext>
+            </a:extLst>
+          </p:cNvPr>
+          <p:cNvSpPr txBox="1">
+            <a:spLocks/>
+          </p:cNvSpPr>
+          <p:nvPr/>
+        </p:nvSpPr>
+        <p:spPr bwMode="auto">
+          <a:xfrm>
+            <a:off x="685800" y="4672013"/>
+            <a:ext cx="10896600" cy="1500187"/>
+          </a:xfrm>
+          <a:prstGeom prst="rect">
+            <a:avLst/>
+          </a:prstGeom>
+          <a:noFill/>
+          <a:ln w="9525">
+            <a:noFill/>
+            <a:miter lim="800000"/>
+            <a:headEnd/>
+            <a:tailEnd/>
+          </a:ln>
+          <a:effectLst/>
+        </p:spPr>
+        <p:txBody>
+          <a:bodyPr vert="horz" wrap="square" lIns="91440" tIns="45720" rIns="91440" bIns="45720" numCol="1" anchor="b" anchorCtr="0" compatLnSpc="1">
+            <a:prstTxWarp prst="textNoShape">
+              <a:avLst/>
+            </a:prstTxWarp>
+          </a:bodyPr>
+          <a:lstStyle>
+            <a:lvl1pPr marL="0" indent="0" algn="l" rtl="0" fontAlgn="base">
+              <a:spcBef>
+                <a:spcPct val="20000"/>
+              </a:spcBef>
+              <a:spcAft>
+                <a:spcPct val="0"/>
+              </a:spcAft>
+              <a:buNone/>
+              <a:defRPr sz="2000">
+                <a:solidFill>
+                  <a:schemeClr val="bg1"/>
+                </a:solidFill>
+                <a:latin typeface="+mn-lt"/>
+                <a:ea typeface="+mn-ea"/>
+                <a:cs typeface="+mn-cs"/>
+              </a:defRPr>
+            </a:lvl1pPr>
+            <a:lvl2pPr marL="457200" indent="0" algn="l" rtl="0" fontAlgn="base">
+              <a:spcBef>
+                <a:spcPct val="20000"/>
+              </a:spcBef>
+              <a:spcAft>
+                <a:spcPct val="0"/>
+              </a:spcAft>
+              <a:buNone/>
+              <a:defRPr sz="1800">
+                <a:solidFill>
+                  <a:schemeClr val="bg1"/>
+                </a:solidFill>
+                <a:latin typeface="+mn-lt"/>
+              </a:defRPr>
+            </a:lvl2pPr>
+            <a:lvl3pPr marL="914400" indent="0" algn="l" rtl="0" fontAlgn="base">
+              <a:spcBef>
+                <a:spcPct val="20000"/>
+              </a:spcBef>
+              <a:spcAft>
+                <a:spcPct val="0"/>
+              </a:spcAft>
+              <a:buNone/>
+              <a:defRPr sz="1600">
+                <a:solidFill>
+                  <a:schemeClr val="bg1"/>
+                </a:solidFill>
+                <a:latin typeface="+mn-lt"/>
+              </a:defRPr>
+            </a:lvl3pPr>
+            <a:lvl4pPr marL="1371600" indent="0" algn="l" rtl="0" fontAlgn="base">
+              <a:spcBef>
+                <a:spcPct val="20000"/>
+              </a:spcBef>
+              <a:spcAft>
+                <a:spcPct val="0"/>
+              </a:spcAft>
+              <a:buNone/>
+              <a:defRPr sz="1400">
+                <a:solidFill>
+                  <a:schemeClr val="bg1"/>
+                </a:solidFill>
+                <a:latin typeface="+mn-lt"/>
+              </a:defRPr>
+            </a:lvl4pPr>
+            <a:lvl5pPr marL="1828800" indent="0" algn="l" rtl="0" fontAlgn="base">
+              <a:spcBef>
+                <a:spcPct val="20000"/>
+              </a:spcBef>
+              <a:spcAft>
+                <a:spcPct val="0"/>
+              </a:spcAft>
+              <a:buNone/>
+              <a:defRPr sz="1400">
+                <a:solidFill>
+                  <a:schemeClr val="bg1"/>
+                </a:solidFill>
+                <a:latin typeface="+mn-lt"/>
+              </a:defRPr>
+            </a:lvl5pPr>
+            <a:lvl6pPr marL="2286000" indent="0" algn="l" rtl="0" fontAlgn="base">
+              <a:spcBef>
+                <a:spcPct val="20000"/>
+              </a:spcBef>
+              <a:spcAft>
+                <a:spcPct val="0"/>
+              </a:spcAft>
+              <a:buNone/>
+              <a:defRPr sz="1400">
+                <a:solidFill>
+                  <a:schemeClr val="bg1"/>
+                </a:solidFill>
+                <a:latin typeface="+mn-lt"/>
+              </a:defRPr>
+            </a:lvl6pPr>
+            <a:lvl7pPr marL="2743200" indent="0" algn="l" rtl="0" fontAlgn="base">
+              <a:spcBef>
+                <a:spcPct val="20000"/>
+              </a:spcBef>
+              <a:spcAft>
+                <a:spcPct val="0"/>
+              </a:spcAft>
+              <a:buNone/>
+              <a:defRPr sz="1400">
+                <a:solidFill>
+                  <a:schemeClr val="bg1"/>
+                </a:solidFill>
+                <a:latin typeface="+mn-lt"/>
+              </a:defRPr>
+            </a:lvl7pPr>
+            <a:lvl8pPr marL="3200400" indent="0" algn="l" rtl="0" fontAlgn="base">
+              <a:spcBef>
+                <a:spcPct val="20000"/>
+              </a:spcBef>
+              <a:spcAft>
+                <a:spcPct val="0"/>
+              </a:spcAft>
+              <a:buNone/>
+              <a:defRPr sz="1400">
+                <a:solidFill>
+                  <a:schemeClr val="bg1"/>
+                </a:solidFill>
+                <a:latin typeface="+mn-lt"/>
+              </a:defRPr>
+            </a:lvl8pPr>
+            <a:lvl9pPr marL="3657600" indent="0" algn="l" rtl="0" fontAlgn="base">
+              <a:spcBef>
+                <a:spcPct val="20000"/>
+              </a:spcBef>
+              <a:spcAft>
+                <a:spcPct val="0"/>
+              </a:spcAft>
+              <a:buNone/>
+              <a:defRPr sz="1400">
+                <a:solidFill>
+                  <a:schemeClr val="bg1"/>
+                </a:solidFill>
+                <a:latin typeface="+mn-lt"/>
+              </a:defRPr>
+            </a:lvl9pPr>
+          </a:lstStyle>
+          <a:p>
+            <a:pPr algn="ctr"/>
+            <a:r>
+              <a:rPr lang="en-US" sz="3600" kern="0" dirty="0"/>
+              <a:t>We may have time to do some of this today</a:t>
+            </a:r>
+            <a:endParaRPr lang="en-US" sz="2800" kern="0" dirty="0"/>
+          </a:p>
+          <a:p>
+            <a:pPr algn="ctr"/>
+            <a:endParaRPr lang="en-US" sz="2800" kern="0" dirty="0"/>
+          </a:p>
+        </p:txBody>
+      </p:sp>
+    </p:spTree>
+    <p:extLst>
+      <p:ext uri="{BB962C8B-B14F-4D97-AF65-F5344CB8AC3E}">
+        <p14:creationId xmlns:p14="http://schemas.microsoft.com/office/powerpoint/2010/main" val="3421048620"/>
+      </p:ext>
+    </p:extLst>
+  </p:cSld>
+  <p:clrMapOvr>
+    <a:masterClrMapping/>
+  </p:clrMapOvr>
+</p:sld>
+</file>
+
+<file path=ppt/slides/slide40.xml><?xml version="1.0" encoding="utf-8"?>
 <p:sld xmlns:a="http://schemas.openxmlformats.org/drawingml/2006/main" xmlns:r="http://schemas.openxmlformats.org/officeDocument/2006/relationships" xmlns:p="http://schemas.openxmlformats.org/presentationml/2006/main">
   <p:cSld>
     <p:spTree>
@@ -18726,7 +18823,353 @@
 </p:sld>
 </file>
 
-<file path=ppt/slides/slide4.xml><?xml version="1.0" encoding="utf-8"?>
+<file path=ppt/slides/slide41.xml><?xml version="1.0" encoding="utf-8"?>
+<p:sld xmlns:a="http://schemas.openxmlformats.org/drawingml/2006/main" xmlns:r="http://schemas.openxmlformats.org/officeDocument/2006/relationships" xmlns:p="http://schemas.openxmlformats.org/presentationml/2006/main">
+  <p:cSld>
+    <p:spTree>
+      <p:nvGrpSpPr>
+        <p:cNvPr id="1" name=""/>
+        <p:cNvGrpSpPr/>
+        <p:nvPr/>
+      </p:nvGrpSpPr>
+      <p:grpSpPr>
+        <a:xfrm>
+          <a:off x="0" y="0"/>
+          <a:ext cx="0" cy="0"/>
+          <a:chOff x="0" y="0"/>
+          <a:chExt cx="0" cy="0"/>
+        </a:xfrm>
+      </p:grpSpPr>
+      <p:sp>
+        <p:nvSpPr>
+          <p:cNvPr id="93186" name="Rectangle 2"/>
+          <p:cNvSpPr>
+            <a:spLocks noGrp="1" noChangeArrowheads="1"/>
+          </p:cNvSpPr>
+          <p:nvPr>
+            <p:ph type="title"/>
+          </p:nvPr>
+        </p:nvSpPr>
+        <p:spPr>
+          <a:xfrm>
+            <a:off x="2590800" y="304800"/>
+            <a:ext cx="6781800" cy="381000"/>
+          </a:xfrm>
+        </p:spPr>
+        <p:txBody>
+          <a:bodyPr/>
+          <a:lstStyle/>
+          <a:p>
+            <a:r>
+              <a:rPr lang="en-US" sz="4000"/>
+              <a:t>build the initial environment</a:t>
+            </a:r>
+          </a:p>
+        </p:txBody>
+      </p:sp>
+      <p:sp>
+        <p:nvSpPr>
+          <p:cNvPr id="93187" name="Rectangle 3"/>
+          <p:cNvSpPr>
+            <a:spLocks noGrp="1" noChangeArrowheads="1"/>
+          </p:cNvSpPr>
+          <p:nvPr>
+            <p:ph type="body" idx="1"/>
+          </p:nvPr>
+        </p:nvSpPr>
+        <p:spPr>
+          <a:xfrm>
+            <a:off x="0" y="1143000"/>
+            <a:ext cx="12420600" cy="5410200"/>
+          </a:xfrm>
+        </p:spPr>
+        <p:txBody>
+          <a:bodyPr/>
+          <a:lstStyle/>
+          <a:p>
+            <a:pPr>
+              <a:lnSpc>
+                <a:spcPct val="90000"/>
+              </a:lnSpc>
+              <a:spcBef>
+                <a:spcPct val="0"/>
+              </a:spcBef>
+              <a:buFontTx/>
+              <a:buNone/>
+            </a:pPr>
+            <a:r>
+              <a:rPr lang="en-US" sz="2800" dirty="0">
+                <a:latin typeface="Courier New" pitchFamily="49" charset="0"/>
+              </a:rPr>
+              <a:t>(</a:t>
+            </a:r>
+            <a:r>
+              <a:rPr lang="en-US" sz="2800" b="1" dirty="0">
+                <a:latin typeface="Courier New" pitchFamily="49" charset="0"/>
+              </a:rPr>
+              <a:t>define *prim-proc-names* </a:t>
+            </a:r>
+          </a:p>
+          <a:p>
+            <a:pPr>
+              <a:lnSpc>
+                <a:spcPct val="90000"/>
+              </a:lnSpc>
+              <a:spcBef>
+                <a:spcPct val="0"/>
+              </a:spcBef>
+              <a:buFontTx/>
+              <a:buNone/>
+            </a:pPr>
+            <a:r>
+              <a:rPr lang="en-US" sz="2800" b="1" dirty="0">
+                <a:latin typeface="Courier New" pitchFamily="49" charset="0"/>
+              </a:rPr>
+              <a:t>   '(+ - * add1 sub1 cons =))</a:t>
+            </a:r>
+          </a:p>
+          <a:p>
+            <a:pPr>
+              <a:lnSpc>
+                <a:spcPct val="90000"/>
+              </a:lnSpc>
+              <a:spcBef>
+                <a:spcPct val="0"/>
+              </a:spcBef>
+              <a:buFontTx/>
+              <a:buNone/>
+            </a:pPr>
+            <a:endParaRPr lang="en-US" sz="2800" b="1" dirty="0">
+              <a:latin typeface="Courier New" pitchFamily="49" charset="0"/>
+            </a:endParaRPr>
+          </a:p>
+          <a:p>
+            <a:pPr>
+              <a:lnSpc>
+                <a:spcPct val="90000"/>
+              </a:lnSpc>
+              <a:spcBef>
+                <a:spcPct val="0"/>
+              </a:spcBef>
+              <a:buFontTx/>
+              <a:buNone/>
+            </a:pPr>
+            <a:r>
+              <a:rPr lang="en-US" sz="2800" b="1" dirty="0">
+                <a:latin typeface="Courier New" pitchFamily="49" charset="0"/>
+              </a:rPr>
+              <a:t>(define init-env</a:t>
+            </a:r>
+            <a:r>
+              <a:rPr lang="en-US" sz="2800" dirty="0">
+                <a:latin typeface="Courier New" pitchFamily="49" charset="0"/>
+              </a:rPr>
+              <a:t>  </a:t>
+            </a:r>
+            <a:r>
+              <a:rPr lang="en-US" sz="2800" b="1" dirty="0">
+                <a:solidFill>
+                  <a:srgbClr val="00D609"/>
+                </a:solidFill>
+                <a:latin typeface="Courier New" pitchFamily="49" charset="0"/>
+              </a:rPr>
+              <a:t>; initial environment only </a:t>
+            </a:r>
+          </a:p>
+          <a:p>
+            <a:pPr>
+              <a:lnSpc>
+                <a:spcPct val="90000"/>
+              </a:lnSpc>
+              <a:spcBef>
+                <a:spcPct val="0"/>
+              </a:spcBef>
+              <a:buFontTx/>
+              <a:buNone/>
+            </a:pPr>
+            <a:r>
+              <a:rPr lang="en-US" sz="2800" dirty="0">
+                <a:latin typeface="Courier New" pitchFamily="49" charset="0"/>
+              </a:rPr>
+              <a:t> </a:t>
+            </a:r>
+            <a:r>
+              <a:rPr lang="en-US" sz="2800" b="1" dirty="0">
+                <a:latin typeface="Courier New" pitchFamily="49" charset="0"/>
+              </a:rPr>
+              <a:t>(extend-env</a:t>
+            </a:r>
+            <a:r>
+              <a:rPr lang="en-US" sz="2800" dirty="0">
+                <a:latin typeface="Courier New" pitchFamily="49" charset="0"/>
+              </a:rPr>
+              <a:t>      </a:t>
+            </a:r>
+            <a:r>
+              <a:rPr lang="en-US" sz="2800" b="1" dirty="0">
+                <a:solidFill>
+                  <a:srgbClr val="00D609"/>
+                </a:solidFill>
+                <a:latin typeface="Courier New" pitchFamily="49" charset="0"/>
+              </a:rPr>
+              <a:t>; contains primitive procedures.</a:t>
+            </a:r>
+          </a:p>
+          <a:p>
+            <a:pPr>
+              <a:lnSpc>
+                <a:spcPct val="90000"/>
+              </a:lnSpc>
+              <a:spcBef>
+                <a:spcPct val="0"/>
+              </a:spcBef>
+              <a:buFontTx/>
+              <a:buNone/>
+            </a:pPr>
+            <a:r>
+              <a:rPr lang="en-US" sz="2800" dirty="0">
+                <a:latin typeface="Courier New" pitchFamily="49" charset="0"/>
+              </a:rPr>
+              <a:t>   </a:t>
+            </a:r>
+            <a:r>
+              <a:rPr lang="en-US" sz="2800" b="1" dirty="0">
+                <a:latin typeface="Courier New" pitchFamily="49" charset="0"/>
+              </a:rPr>
+              <a:t>*prim-proc-names* </a:t>
+            </a:r>
+            <a:r>
+              <a:rPr lang="en-US" sz="2800" dirty="0">
+                <a:latin typeface="Courier New" pitchFamily="49" charset="0"/>
+              </a:rPr>
+              <a:t> </a:t>
+            </a:r>
+            <a:r>
+              <a:rPr lang="en-US" sz="2800" b="1" dirty="0">
+                <a:solidFill>
+                  <a:srgbClr val="00D609"/>
+                </a:solidFill>
+                <a:latin typeface="Courier New" pitchFamily="49" charset="0"/>
+              </a:rPr>
+              <a:t>; Recall that an environment </a:t>
+            </a:r>
+          </a:p>
+          <a:p>
+            <a:pPr>
+              <a:lnSpc>
+                <a:spcPct val="90000"/>
+              </a:lnSpc>
+              <a:spcBef>
+                <a:spcPct val="0"/>
+              </a:spcBef>
+              <a:buFontTx/>
+              <a:buNone/>
+            </a:pPr>
+            <a:r>
+              <a:rPr lang="en-US" sz="2800" b="1" dirty="0">
+                <a:solidFill>
+                  <a:srgbClr val="CC0099"/>
+                </a:solidFill>
+                <a:latin typeface="Courier New" pitchFamily="49" charset="0"/>
+              </a:rPr>
+              <a:t>                      </a:t>
+            </a:r>
+            <a:r>
+              <a:rPr lang="en-US" sz="2800" b="1" dirty="0">
+                <a:solidFill>
+                  <a:srgbClr val="00D609"/>
+                </a:solidFill>
+                <a:latin typeface="Courier New" pitchFamily="49" charset="0"/>
+              </a:rPr>
+              <a:t>; associates values</a:t>
+            </a:r>
+          </a:p>
+          <a:p>
+            <a:pPr>
+              <a:lnSpc>
+                <a:spcPct val="90000"/>
+              </a:lnSpc>
+              <a:spcBef>
+                <a:spcPct val="0"/>
+              </a:spcBef>
+              <a:buNone/>
+            </a:pPr>
+            <a:r>
+              <a:rPr lang="en-US" sz="2800" dirty="0">
+                <a:latin typeface="Courier New" pitchFamily="49" charset="0"/>
+              </a:rPr>
+              <a:t>   </a:t>
+            </a:r>
+            <a:r>
+              <a:rPr lang="en-US" sz="2800" b="1" dirty="0">
+                <a:latin typeface="Courier New" pitchFamily="49" charset="0"/>
+              </a:rPr>
+              <a:t>(map prim-proc     </a:t>
+            </a:r>
+            <a:r>
+              <a:rPr lang="en-US" sz="2800" b="1" dirty="0">
+                <a:solidFill>
+                  <a:srgbClr val="00D609"/>
+                </a:solidFill>
+                <a:latin typeface="Courier New" pitchFamily="49" charset="0"/>
+              </a:rPr>
+              <a:t>; (not expressions) with variables.</a:t>
+            </a:r>
+          </a:p>
+          <a:p>
+            <a:pPr>
+              <a:lnSpc>
+                <a:spcPct val="90000"/>
+              </a:lnSpc>
+              <a:spcBef>
+                <a:spcPct val="0"/>
+              </a:spcBef>
+              <a:buFontTx/>
+              <a:buNone/>
+            </a:pPr>
+            <a:r>
+              <a:rPr lang="en-US" sz="2800" b="1" dirty="0">
+                <a:latin typeface="Courier New" pitchFamily="49" charset="0"/>
+              </a:rPr>
+              <a:t>        *prim-proc-names*)</a:t>
+            </a:r>
+          </a:p>
+          <a:p>
+            <a:pPr>
+              <a:lnSpc>
+                <a:spcPct val="90000"/>
+              </a:lnSpc>
+              <a:spcBef>
+                <a:spcPct val="0"/>
+              </a:spcBef>
+              <a:buFontTx/>
+              <a:buNone/>
+            </a:pPr>
+            <a:r>
+              <a:rPr lang="en-US" sz="2800" dirty="0">
+                <a:latin typeface="Courier New" pitchFamily="49" charset="0"/>
+              </a:rPr>
+              <a:t>   </a:t>
+            </a:r>
+            <a:r>
+              <a:rPr lang="en-US" sz="2800" b="1" dirty="0">
+                <a:latin typeface="Courier New" pitchFamily="49" charset="0"/>
+              </a:rPr>
+              <a:t>(empty-env)))</a:t>
+            </a:r>
+          </a:p>
+        </p:txBody>
+      </p:sp>
+    </p:spTree>
+  </p:cSld>
+  <p:clrMapOvr>
+    <a:masterClrMapping/>
+  </p:clrMapOvr>
+  <p:transition/>
+</p:sld>
+</file>
+
+<file path=ppt/slides/slide5.xml><?xml version="1.0" encoding="utf-8"?>
 <p:sld xmlns:a="http://schemas.openxmlformats.org/drawingml/2006/main" xmlns:r="http://schemas.openxmlformats.org/officeDocument/2006/relationships" xmlns:p="http://schemas.openxmlformats.org/presentationml/2006/main">
   <p:cSld>
     <p:spTree>
@@ -18847,353 +19290,7 @@
 </p:sld>
 </file>
 
-<file path=ppt/slides/slide40.xml><?xml version="1.0" encoding="utf-8"?>
-<p:sld xmlns:a="http://schemas.openxmlformats.org/drawingml/2006/main" xmlns:r="http://schemas.openxmlformats.org/officeDocument/2006/relationships" xmlns:p="http://schemas.openxmlformats.org/presentationml/2006/main">
-  <p:cSld>
-    <p:spTree>
-      <p:nvGrpSpPr>
-        <p:cNvPr id="1" name=""/>
-        <p:cNvGrpSpPr/>
-        <p:nvPr/>
-      </p:nvGrpSpPr>
-      <p:grpSpPr>
-        <a:xfrm>
-          <a:off x="0" y="0"/>
-          <a:ext cx="0" cy="0"/>
-          <a:chOff x="0" y="0"/>
-          <a:chExt cx="0" cy="0"/>
-        </a:xfrm>
-      </p:grpSpPr>
-      <p:sp>
-        <p:nvSpPr>
-          <p:cNvPr id="93186" name="Rectangle 2"/>
-          <p:cNvSpPr>
-            <a:spLocks noGrp="1" noChangeArrowheads="1"/>
-          </p:cNvSpPr>
-          <p:nvPr>
-            <p:ph type="title"/>
-          </p:nvPr>
-        </p:nvSpPr>
-        <p:spPr>
-          <a:xfrm>
-            <a:off x="2590800" y="304800"/>
-            <a:ext cx="6781800" cy="381000"/>
-          </a:xfrm>
-        </p:spPr>
-        <p:txBody>
-          <a:bodyPr/>
-          <a:lstStyle/>
-          <a:p>
-            <a:r>
-              <a:rPr lang="en-US" sz="4000"/>
-              <a:t>build the initial environment</a:t>
-            </a:r>
-          </a:p>
-        </p:txBody>
-      </p:sp>
-      <p:sp>
-        <p:nvSpPr>
-          <p:cNvPr id="93187" name="Rectangle 3"/>
-          <p:cNvSpPr>
-            <a:spLocks noGrp="1" noChangeArrowheads="1"/>
-          </p:cNvSpPr>
-          <p:nvPr>
-            <p:ph type="body" idx="1"/>
-          </p:nvPr>
-        </p:nvSpPr>
-        <p:spPr>
-          <a:xfrm>
-            <a:off x="0" y="1143000"/>
-            <a:ext cx="12420600" cy="5410200"/>
-          </a:xfrm>
-        </p:spPr>
-        <p:txBody>
-          <a:bodyPr/>
-          <a:lstStyle/>
-          <a:p>
-            <a:pPr>
-              <a:lnSpc>
-                <a:spcPct val="90000"/>
-              </a:lnSpc>
-              <a:spcBef>
-                <a:spcPct val="0"/>
-              </a:spcBef>
-              <a:buFontTx/>
-              <a:buNone/>
-            </a:pPr>
-            <a:r>
-              <a:rPr lang="en-US" sz="2800" dirty="0">
-                <a:latin typeface="Courier New" pitchFamily="49" charset="0"/>
-              </a:rPr>
-              <a:t>(</a:t>
-            </a:r>
-            <a:r>
-              <a:rPr lang="en-US" sz="2800" b="1" dirty="0">
-                <a:latin typeface="Courier New" pitchFamily="49" charset="0"/>
-              </a:rPr>
-              <a:t>define *prim-proc-names* </a:t>
-            </a:r>
-          </a:p>
-          <a:p>
-            <a:pPr>
-              <a:lnSpc>
-                <a:spcPct val="90000"/>
-              </a:lnSpc>
-              <a:spcBef>
-                <a:spcPct val="0"/>
-              </a:spcBef>
-              <a:buFontTx/>
-              <a:buNone/>
-            </a:pPr>
-            <a:r>
-              <a:rPr lang="en-US" sz="2800" b="1" dirty="0">
-                <a:latin typeface="Courier New" pitchFamily="49" charset="0"/>
-              </a:rPr>
-              <a:t>   '(+ - * add1 sub1 cons =))</a:t>
-            </a:r>
-          </a:p>
-          <a:p>
-            <a:pPr>
-              <a:lnSpc>
-                <a:spcPct val="90000"/>
-              </a:lnSpc>
-              <a:spcBef>
-                <a:spcPct val="0"/>
-              </a:spcBef>
-              <a:buFontTx/>
-              <a:buNone/>
-            </a:pPr>
-            <a:endParaRPr lang="en-US" sz="2800" b="1" dirty="0">
-              <a:latin typeface="Courier New" pitchFamily="49" charset="0"/>
-            </a:endParaRPr>
-          </a:p>
-          <a:p>
-            <a:pPr>
-              <a:lnSpc>
-                <a:spcPct val="90000"/>
-              </a:lnSpc>
-              <a:spcBef>
-                <a:spcPct val="0"/>
-              </a:spcBef>
-              <a:buFontTx/>
-              <a:buNone/>
-            </a:pPr>
-            <a:r>
-              <a:rPr lang="en-US" sz="2800" b="1" dirty="0">
-                <a:latin typeface="Courier New" pitchFamily="49" charset="0"/>
-              </a:rPr>
-              <a:t>(define init-env</a:t>
-            </a:r>
-            <a:r>
-              <a:rPr lang="en-US" sz="2800" dirty="0">
-                <a:latin typeface="Courier New" pitchFamily="49" charset="0"/>
-              </a:rPr>
-              <a:t>  </a:t>
-            </a:r>
-            <a:r>
-              <a:rPr lang="en-US" sz="2800" b="1" dirty="0">
-                <a:solidFill>
-                  <a:srgbClr val="00D609"/>
-                </a:solidFill>
-                <a:latin typeface="Courier New" pitchFamily="49" charset="0"/>
-              </a:rPr>
-              <a:t>; initial environment only </a:t>
-            </a:r>
-          </a:p>
-          <a:p>
-            <a:pPr>
-              <a:lnSpc>
-                <a:spcPct val="90000"/>
-              </a:lnSpc>
-              <a:spcBef>
-                <a:spcPct val="0"/>
-              </a:spcBef>
-              <a:buFontTx/>
-              <a:buNone/>
-            </a:pPr>
-            <a:r>
-              <a:rPr lang="en-US" sz="2800" dirty="0">
-                <a:latin typeface="Courier New" pitchFamily="49" charset="0"/>
-              </a:rPr>
-              <a:t> </a:t>
-            </a:r>
-            <a:r>
-              <a:rPr lang="en-US" sz="2800" b="1" dirty="0">
-                <a:latin typeface="Courier New" pitchFamily="49" charset="0"/>
-              </a:rPr>
-              <a:t>(extend-env</a:t>
-            </a:r>
-            <a:r>
-              <a:rPr lang="en-US" sz="2800" dirty="0">
-                <a:latin typeface="Courier New" pitchFamily="49" charset="0"/>
-              </a:rPr>
-              <a:t>      </a:t>
-            </a:r>
-            <a:r>
-              <a:rPr lang="en-US" sz="2800" b="1" dirty="0">
-                <a:solidFill>
-                  <a:srgbClr val="00D609"/>
-                </a:solidFill>
-                <a:latin typeface="Courier New" pitchFamily="49" charset="0"/>
-              </a:rPr>
-              <a:t>; contains primitive procedures.</a:t>
-            </a:r>
-          </a:p>
-          <a:p>
-            <a:pPr>
-              <a:lnSpc>
-                <a:spcPct val="90000"/>
-              </a:lnSpc>
-              <a:spcBef>
-                <a:spcPct val="0"/>
-              </a:spcBef>
-              <a:buFontTx/>
-              <a:buNone/>
-            </a:pPr>
-            <a:r>
-              <a:rPr lang="en-US" sz="2800" dirty="0">
-                <a:latin typeface="Courier New" pitchFamily="49" charset="0"/>
-              </a:rPr>
-              <a:t>   </a:t>
-            </a:r>
-            <a:r>
-              <a:rPr lang="en-US" sz="2800" b="1" dirty="0">
-                <a:latin typeface="Courier New" pitchFamily="49" charset="0"/>
-              </a:rPr>
-              <a:t>*prim-proc-names* </a:t>
-            </a:r>
-            <a:r>
-              <a:rPr lang="en-US" sz="2800" dirty="0">
-                <a:latin typeface="Courier New" pitchFamily="49" charset="0"/>
-              </a:rPr>
-              <a:t> </a:t>
-            </a:r>
-            <a:r>
-              <a:rPr lang="en-US" sz="2800" b="1" dirty="0">
-                <a:solidFill>
-                  <a:srgbClr val="00D609"/>
-                </a:solidFill>
-                <a:latin typeface="Courier New" pitchFamily="49" charset="0"/>
-              </a:rPr>
-              <a:t>; Recall that an environment </a:t>
-            </a:r>
-          </a:p>
-          <a:p>
-            <a:pPr>
-              <a:lnSpc>
-                <a:spcPct val="90000"/>
-              </a:lnSpc>
-              <a:spcBef>
-                <a:spcPct val="0"/>
-              </a:spcBef>
-              <a:buFontTx/>
-              <a:buNone/>
-            </a:pPr>
-            <a:r>
-              <a:rPr lang="en-US" sz="2800" b="1" dirty="0">
-                <a:solidFill>
-                  <a:srgbClr val="CC0099"/>
-                </a:solidFill>
-                <a:latin typeface="Courier New" pitchFamily="49" charset="0"/>
-              </a:rPr>
-              <a:t>                      </a:t>
-            </a:r>
-            <a:r>
-              <a:rPr lang="en-US" sz="2800" b="1" dirty="0">
-                <a:solidFill>
-                  <a:srgbClr val="00D609"/>
-                </a:solidFill>
-                <a:latin typeface="Courier New" pitchFamily="49" charset="0"/>
-              </a:rPr>
-              <a:t>; associates values</a:t>
-            </a:r>
-          </a:p>
-          <a:p>
-            <a:pPr>
-              <a:lnSpc>
-                <a:spcPct val="90000"/>
-              </a:lnSpc>
-              <a:spcBef>
-                <a:spcPct val="0"/>
-              </a:spcBef>
-              <a:buNone/>
-            </a:pPr>
-            <a:r>
-              <a:rPr lang="en-US" sz="2800" dirty="0">
-                <a:latin typeface="Courier New" pitchFamily="49" charset="0"/>
-              </a:rPr>
-              <a:t>   </a:t>
-            </a:r>
-            <a:r>
-              <a:rPr lang="en-US" sz="2800" b="1" dirty="0">
-                <a:latin typeface="Courier New" pitchFamily="49" charset="0"/>
-              </a:rPr>
-              <a:t>(map prim-proc     </a:t>
-            </a:r>
-            <a:r>
-              <a:rPr lang="en-US" sz="2800" b="1" dirty="0">
-                <a:solidFill>
-                  <a:srgbClr val="00D609"/>
-                </a:solidFill>
-                <a:latin typeface="Courier New" pitchFamily="49" charset="0"/>
-              </a:rPr>
-              <a:t>; (not expressions) with variables.</a:t>
-            </a:r>
-          </a:p>
-          <a:p>
-            <a:pPr>
-              <a:lnSpc>
-                <a:spcPct val="90000"/>
-              </a:lnSpc>
-              <a:spcBef>
-                <a:spcPct val="0"/>
-              </a:spcBef>
-              <a:buFontTx/>
-              <a:buNone/>
-            </a:pPr>
-            <a:r>
-              <a:rPr lang="en-US" sz="2800" b="1" dirty="0">
-                <a:latin typeface="Courier New" pitchFamily="49" charset="0"/>
-              </a:rPr>
-              <a:t>        *prim-proc-names*)</a:t>
-            </a:r>
-          </a:p>
-          <a:p>
-            <a:pPr>
-              <a:lnSpc>
-                <a:spcPct val="90000"/>
-              </a:lnSpc>
-              <a:spcBef>
-                <a:spcPct val="0"/>
-              </a:spcBef>
-              <a:buFontTx/>
-              <a:buNone/>
-            </a:pPr>
-            <a:r>
-              <a:rPr lang="en-US" sz="2800" dirty="0">
-                <a:latin typeface="Courier New" pitchFamily="49" charset="0"/>
-              </a:rPr>
-              <a:t>   </a:t>
-            </a:r>
-            <a:r>
-              <a:rPr lang="en-US" sz="2800" b="1" dirty="0">
-                <a:latin typeface="Courier New" pitchFamily="49" charset="0"/>
-              </a:rPr>
-              <a:t>(empty-env)))</a:t>
-            </a:r>
-          </a:p>
-        </p:txBody>
-      </p:sp>
-    </p:spTree>
-  </p:cSld>
-  <p:clrMapOvr>
-    <a:masterClrMapping/>
-  </p:clrMapOvr>
-  <p:transition/>
-</p:sld>
-</file>
-
-<file path=ppt/slides/slide5.xml><?xml version="1.0" encoding="utf-8"?>
+<file path=ppt/slides/slide6.xml><?xml version="1.0" encoding="utf-8"?>
 <p:sld xmlns:a="http://schemas.openxmlformats.org/drawingml/2006/main" xmlns:r="http://schemas.openxmlformats.org/officeDocument/2006/relationships" xmlns:p="http://schemas.openxmlformats.org/presentationml/2006/main">
   <p:cSld>
     <p:spTree>
@@ -19283,7 +19380,7 @@
 </p:sld>
 </file>
 
-<file path=ppt/slides/slide6.xml><?xml version="1.0" encoding="utf-8"?>
+<file path=ppt/slides/slide7.xml><?xml version="1.0" encoding="utf-8"?>
 <p:sld xmlns:a="http://schemas.openxmlformats.org/drawingml/2006/main" xmlns:r="http://schemas.openxmlformats.org/officeDocument/2006/relationships" xmlns:p="http://schemas.openxmlformats.org/presentationml/2006/main" showMasterPhAnim="0">
   <p:cSld>
     <p:spTree>
@@ -19736,7 +19833,7 @@
 </p:sld>
 </file>
 
-<file path=ppt/slides/slide7.xml><?xml version="1.0" encoding="utf-8"?>
+<file path=ppt/slides/slide8.xml><?xml version="1.0" encoding="utf-8"?>
 <p:sld xmlns:a="http://schemas.openxmlformats.org/drawingml/2006/main" xmlns:r="http://schemas.openxmlformats.org/officeDocument/2006/relationships" xmlns:p="http://schemas.openxmlformats.org/presentationml/2006/main">
   <p:cSld>
     <p:spTree>
@@ -20674,7 +20771,7 @@
 </p:sld>
 </file>
 
-<file path=ppt/slides/slide8.xml><?xml version="1.0" encoding="utf-8"?>
+<file path=ppt/slides/slide9.xml><?xml version="1.0" encoding="utf-8"?>
 <p:sld xmlns:a="http://schemas.openxmlformats.org/drawingml/2006/main" xmlns:r="http://schemas.openxmlformats.org/officeDocument/2006/relationships" xmlns:p="http://schemas.openxmlformats.org/presentationml/2006/main">
   <p:cSld>
     <p:spTree>
@@ -21480,277 +21577,6 @@
     <p:extLst>
       <p:ext uri="{BB962C8B-B14F-4D97-AF65-F5344CB8AC3E}">
         <p14:creationId xmlns:p14="http://schemas.microsoft.com/office/powerpoint/2010/main" val="3401486733"/>
-      </p:ext>
-    </p:extLst>
-  </p:cSld>
-  <p:clrMapOvr>
-    <a:masterClrMapping/>
-  </p:clrMapOvr>
-</p:sld>
-</file>
-
-<file path=ppt/slides/slide9.xml><?xml version="1.0" encoding="utf-8"?>
-<p:sld xmlns:a="http://schemas.openxmlformats.org/drawingml/2006/main" xmlns:r="http://schemas.openxmlformats.org/officeDocument/2006/relationships" xmlns:p="http://schemas.openxmlformats.org/presentationml/2006/main">
-  <p:cSld>
-    <p:spTree>
-      <p:nvGrpSpPr>
-        <p:cNvPr id="1" name=""/>
-        <p:cNvGrpSpPr/>
-        <p:nvPr/>
-      </p:nvGrpSpPr>
-      <p:grpSpPr>
-        <a:xfrm>
-          <a:off x="0" y="0"/>
-          <a:ext cx="0" cy="0"/>
-          <a:chOff x="0" y="0"/>
-          <a:chExt cx="0" cy="0"/>
-        </a:xfrm>
-      </p:grpSpPr>
-      <p:sp>
-        <p:nvSpPr>
-          <p:cNvPr id="2" name="Title 1"/>
-          <p:cNvSpPr>
-            <a:spLocks noGrp="1"/>
-          </p:cNvSpPr>
-          <p:nvPr>
-            <p:ph type="title"/>
-          </p:nvPr>
-        </p:nvSpPr>
-        <p:spPr>
-          <a:xfrm>
-            <a:off x="3181350" y="1028700"/>
-            <a:ext cx="5829300" cy="857250"/>
-          </a:xfrm>
-        </p:spPr>
-        <p:txBody>
-          <a:bodyPr/>
-          <a:lstStyle/>
-          <a:p>
-            <a:r>
-              <a:rPr lang="en-US" dirty="0"/>
-              <a:t>Auxiliary procedure</a:t>
-            </a:r>
-          </a:p>
-        </p:txBody>
-      </p:sp>
-      <p:sp>
-        <p:nvSpPr>
-          <p:cNvPr id="4" name="TextBox 3"/>
-          <p:cNvSpPr txBox="1"/>
-          <p:nvPr/>
-        </p:nvSpPr>
-        <p:spPr>
-          <a:xfrm>
-            <a:off x="2266950" y="1885952"/>
-            <a:ext cx="7600950" cy="3693319"/>
-          </a:xfrm>
-          <a:prstGeom prst="rect">
-            <a:avLst/>
-          </a:prstGeom>
-          <a:noFill/>
-        </p:spPr>
-        <p:txBody>
-          <a:bodyPr wrap="square" rtlCol="0">
-            <a:spAutoFit/>
-          </a:bodyPr>
-          <a:lstStyle/>
-          <a:p>
-            <a:r>
-              <a:rPr lang="en-US" b="1" dirty="0">
-                <a:solidFill>
-                  <a:srgbClr val="00FF00"/>
-                </a:solidFill>
-                <a:latin typeface="Courier New" pitchFamily="49" charset="0"/>
-                <a:cs typeface="Courier New" pitchFamily="49" charset="0"/>
-              </a:rPr>
-              <a:t>; returns position of </a:t>
-            </a:r>
-            <a:r>
-              <a:rPr lang="en-US" dirty="0">
-                <a:solidFill>
-                  <a:srgbClr val="00FF00"/>
-                </a:solidFill>
-                <a:latin typeface="Courier New" pitchFamily="49" charset="0"/>
-                <a:cs typeface="Courier New" pitchFamily="49" charset="0"/>
-              </a:rPr>
-              <a:t>sym</a:t>
-            </a:r>
-            <a:r>
-              <a:rPr lang="en-US" b="1" dirty="0">
-                <a:solidFill>
-                  <a:srgbClr val="00FF00"/>
-                </a:solidFill>
-                <a:latin typeface="Courier New" pitchFamily="49" charset="0"/>
-                <a:cs typeface="Courier New" pitchFamily="49" charset="0"/>
-              </a:rPr>
-              <a:t> in </a:t>
-            </a:r>
-            <a:r>
-              <a:rPr lang="en-US" dirty="0">
-                <a:solidFill>
-                  <a:srgbClr val="00FF00"/>
-                </a:solidFill>
-                <a:latin typeface="Courier New" pitchFamily="49" charset="0"/>
-                <a:cs typeface="Courier New" pitchFamily="49" charset="0"/>
-              </a:rPr>
-              <a:t>los</a:t>
-            </a:r>
-            <a:r>
-              <a:rPr lang="en-US" b="1" dirty="0">
-                <a:solidFill>
-                  <a:srgbClr val="00FF00"/>
-                </a:solidFill>
-                <a:latin typeface="Courier New" pitchFamily="49" charset="0"/>
-                <a:cs typeface="Courier New" pitchFamily="49" charset="0"/>
-              </a:rPr>
-              <a:t> (or </a:t>
-            </a:r>
-            <a:r>
-              <a:rPr lang="en-US" dirty="0">
-                <a:solidFill>
-                  <a:srgbClr val="00FF00"/>
-                </a:solidFill>
-                <a:latin typeface="Courier New" pitchFamily="49" charset="0"/>
-                <a:cs typeface="Courier New" pitchFamily="49" charset="0"/>
-              </a:rPr>
-              <a:t>#f</a:t>
-            </a:r>
-            <a:r>
-              <a:rPr lang="en-US" b="1" dirty="0">
-                <a:solidFill>
-                  <a:srgbClr val="00FF00"/>
-                </a:solidFill>
-                <a:latin typeface="Courier New" pitchFamily="49" charset="0"/>
-                <a:cs typeface="Courier New" pitchFamily="49" charset="0"/>
-              </a:rPr>
-              <a:t>)</a:t>
-            </a:r>
-          </a:p>
-          <a:p>
-            <a:endParaRPr lang="en-US" dirty="0">
-              <a:solidFill>
-                <a:schemeClr val="bg1"/>
-              </a:solidFill>
-              <a:latin typeface="Courier New" pitchFamily="49" charset="0"/>
-              <a:cs typeface="Courier New" pitchFamily="49" charset="0"/>
-            </a:endParaRPr>
-          </a:p>
-          <a:p>
-            <a:r>
-              <a:rPr lang="en-US" dirty="0">
-                <a:solidFill>
-                  <a:schemeClr val="bg1"/>
-                </a:solidFill>
-                <a:latin typeface="Courier New" pitchFamily="49" charset="0"/>
-                <a:cs typeface="Courier New" pitchFamily="49" charset="0"/>
-              </a:rPr>
-              <a:t>(define list-find-position </a:t>
-            </a:r>
-          </a:p>
-          <a:p>
-            <a:r>
-              <a:rPr lang="en-US" dirty="0">
-                <a:solidFill>
-                  <a:schemeClr val="bg1"/>
-                </a:solidFill>
-                <a:latin typeface="Courier New" pitchFamily="49" charset="0"/>
-                <a:cs typeface="Courier New" pitchFamily="49" charset="0"/>
-              </a:rPr>
-              <a:t>  (lambda (sym los)</a:t>
-            </a:r>
-          </a:p>
-          <a:p>
-            <a:r>
-              <a:rPr lang="en-US" dirty="0">
-                <a:solidFill>
-                  <a:schemeClr val="bg1"/>
-                </a:solidFill>
-                <a:latin typeface="Courier New" pitchFamily="49" charset="0"/>
-                <a:cs typeface="Courier New" pitchFamily="49" charset="0"/>
-              </a:rPr>
-              <a:t>    (let loop ([los los] [pos 0])</a:t>
-            </a:r>
-          </a:p>
-          <a:p>
-            <a:r>
-              <a:rPr lang="en-US" dirty="0">
-                <a:solidFill>
-                  <a:schemeClr val="bg1"/>
-                </a:solidFill>
-                <a:latin typeface="Courier New" pitchFamily="49" charset="0"/>
-                <a:cs typeface="Courier New" pitchFamily="49" charset="0"/>
-              </a:rPr>
-              <a:t>      (cond [(null? los) #f]</a:t>
-            </a:r>
-          </a:p>
-          <a:p>
-            <a:r>
-              <a:rPr lang="en-US" dirty="0">
-                <a:solidFill>
-                  <a:schemeClr val="bg1"/>
-                </a:solidFill>
-                <a:latin typeface="Courier New" pitchFamily="49" charset="0"/>
-                <a:cs typeface="Courier New" pitchFamily="49" charset="0"/>
-              </a:rPr>
-              <a:t>	    [(eq? sym (car los)) pos]</a:t>
-            </a:r>
-          </a:p>
-          <a:p>
-            <a:r>
-              <a:rPr lang="en-US" dirty="0">
-                <a:solidFill>
-                  <a:schemeClr val="bg1"/>
-                </a:solidFill>
-                <a:latin typeface="Courier New" pitchFamily="49" charset="0"/>
-                <a:cs typeface="Courier New" pitchFamily="49" charset="0"/>
-              </a:rPr>
-              <a:t>	    [else (loop (cdr los) </a:t>
-            </a:r>
-          </a:p>
-          <a:p>
-            <a:r>
-              <a:rPr lang="en-US" dirty="0">
-                <a:solidFill>
-                  <a:schemeClr val="bg1"/>
-                </a:solidFill>
-                <a:latin typeface="Courier New" pitchFamily="49" charset="0"/>
-                <a:cs typeface="Courier New" pitchFamily="49" charset="0"/>
-              </a:rPr>
-              <a:t>                    (add1 pos))]))))</a:t>
-            </a:r>
-            <a:endParaRPr lang="en-US" sz="2100" dirty="0">
-              <a:solidFill>
-                <a:schemeClr val="bg1"/>
-              </a:solidFill>
-              <a:latin typeface="Courier New" pitchFamily="49" charset="0"/>
-              <a:cs typeface="Courier New" pitchFamily="49" charset="0"/>
-            </a:endParaRPr>
-          </a:p>
-          <a:p>
-            <a:r>
-              <a:rPr lang="en-US" sz="1800" dirty="0">
-                <a:solidFill>
-                  <a:schemeClr val="bg1"/>
-                </a:solidFill>
-                <a:latin typeface="Courier New" pitchFamily="49" charset="0"/>
-                <a:cs typeface="Courier New" pitchFamily="49" charset="0"/>
-              </a:rPr>
-              <a:t>                </a:t>
-            </a:r>
-            <a:endParaRPr lang="en-US" sz="1350" dirty="0">
-              <a:solidFill>
-                <a:schemeClr val="bg1"/>
-              </a:solidFill>
-              <a:latin typeface="Courier New" pitchFamily="49" charset="0"/>
-              <a:cs typeface="Courier New" pitchFamily="49" charset="0"/>
-            </a:endParaRPr>
-          </a:p>
-        </p:txBody>
-      </p:sp>
-    </p:spTree>
-    <p:extLst>
-      <p:ext uri="{BB962C8B-B14F-4D97-AF65-F5344CB8AC3E}">
-        <p14:creationId xmlns:p14="http://schemas.microsoft.com/office/powerpoint/2010/main" val="438036326"/>
       </p:ext>
     </p:extLst>
   </p:cSld>
